--- a/AWS_Case_Study_2.pptx
+++ b/AWS_Case_Study_2.pptx
@@ -7,19 +7,22 @@
     <p:sldMasterId id="2147483871" r:id="rId6"/>
   </p:sldMasterIdLst>
   <p:notesMasterIdLst>
-    <p:notesMasterId r:id="rId17"/>
+    <p:notesMasterId r:id="rId20"/>
   </p:notesMasterIdLst>
   <p:sldIdLst>
     <p:sldId id="256" r:id="rId7"/>
     <p:sldId id="615" r:id="rId8"/>
-    <p:sldId id="659" r:id="rId9"/>
-    <p:sldId id="658" r:id="rId10"/>
-    <p:sldId id="679" r:id="rId11"/>
-    <p:sldId id="711" r:id="rId12"/>
-    <p:sldId id="708" r:id="rId13"/>
-    <p:sldId id="709" r:id="rId14"/>
-    <p:sldId id="710" r:id="rId15"/>
-    <p:sldId id="694" r:id="rId16"/>
+    <p:sldId id="658" r:id="rId9"/>
+    <p:sldId id="679" r:id="rId10"/>
+    <p:sldId id="711" r:id="rId11"/>
+    <p:sldId id="708" r:id="rId12"/>
+    <p:sldId id="709" r:id="rId13"/>
+    <p:sldId id="713" r:id="rId14"/>
+    <p:sldId id="715" r:id="rId15"/>
+    <p:sldId id="714" r:id="rId16"/>
+    <p:sldId id="712" r:id="rId17"/>
+    <p:sldId id="710" r:id="rId18"/>
+    <p:sldId id="694" r:id="rId19"/>
   </p:sldIdLst>
   <p:sldSz cx="12192000" cy="6858000"/>
   <p:notesSz cx="6858000" cy="9144000"/>
@@ -208,7 +211,7 @@
           <a:p>
             <a:fld id="{2E33A644-E249-4987-8102-EA5133B71462}" type="datetimeFigureOut">
               <a:rPr lang="en-US" smtClean="0"/>
-              <a:t>3/29/2022</a:t>
+              <a:t>3/30/2022</a:t>
             </a:fld>
             <a:endParaRPr lang="en-US"/>
           </a:p>
@@ -604,7 +607,7 @@
           <a:p>
             <a:fld id="{99867D44-512F-45BC-8B1E-1E3D3E676087}" type="datetimeFigureOut">
               <a:rPr lang="en-IN" smtClean="0"/>
-              <a:t>29-03-2022</a:t>
+              <a:t>30-03-2022</a:t>
             </a:fld>
             <a:endParaRPr lang="en-IN"/>
           </a:p>
@@ -772,7 +775,7 @@
           <a:p>
             <a:fld id="{99867D44-512F-45BC-8B1E-1E3D3E676087}" type="datetimeFigureOut">
               <a:rPr lang="en-IN" smtClean="0"/>
-              <a:t>29-03-2022</a:t>
+              <a:t>30-03-2022</a:t>
             </a:fld>
             <a:endParaRPr lang="en-IN"/>
           </a:p>
@@ -950,7 +953,7 @@
           <a:p>
             <a:fld id="{99867D44-512F-45BC-8B1E-1E3D3E676087}" type="datetimeFigureOut">
               <a:rPr lang="en-IN" smtClean="0"/>
-              <a:t>29-03-2022</a:t>
+              <a:t>30-03-2022</a:t>
             </a:fld>
             <a:endParaRPr lang="en-IN"/>
           </a:p>
@@ -1274,7 +1277,7 @@
           <a:p>
             <a:fld id="{1D8BD707-D9CF-40AE-B4C6-C98DA3205C09}" type="datetimeFigureOut">
               <a:rPr lang="en-US"/>
-              <a:t>3/29/2022</a:t>
+              <a:t>3/30/2022</a:t>
             </a:fld>
             <a:endParaRPr lang="en-US"/>
           </a:p>
@@ -1684,7 +1687,7 @@
           <a:p>
             <a:fld id="{1D8BD707-D9CF-40AE-B4C6-C98DA3205C09}" type="datetimeFigureOut">
               <a:rPr lang="en-US"/>
-              <a:t>3/29/2022</a:t>
+              <a:t>3/30/2022</a:t>
             </a:fld>
             <a:endParaRPr lang="en-US"/>
           </a:p>
@@ -1949,7 +1952,7 @@
           <a:p>
             <a:fld id="{1D8BD707-D9CF-40AE-B4C6-C98DA3205C09}" type="datetimeFigureOut">
               <a:rPr lang="en-US"/>
-              <a:t>3/29/2022</a:t>
+              <a:t>3/30/2022</a:t>
             </a:fld>
             <a:endParaRPr lang="en-US"/>
           </a:p>
@@ -2317,7 +2320,7 @@
           <a:p>
             <a:fld id="{1D8BD707-D9CF-40AE-B4C6-C98DA3205C09}" type="datetimeFigureOut">
               <a:rPr lang="en-US"/>
-              <a:t>3/29/2022</a:t>
+              <a:t>3/30/2022</a:t>
             </a:fld>
             <a:endParaRPr lang="en-US"/>
           </a:p>
@@ -2661,7 +2664,7 @@
           <a:p>
             <a:fld id="{1D8BD707-D9CF-40AE-B4C6-C98DA3205C09}" type="datetimeFigureOut">
               <a:rPr lang="en-US"/>
-              <a:t>3/29/2022</a:t>
+              <a:t>3/30/2022</a:t>
             </a:fld>
             <a:endParaRPr lang="en-US"/>
           </a:p>
@@ -2800,7 +2803,7 @@
           <a:p>
             <a:fld id="{1D8BD707-D9CF-40AE-B4C6-C98DA3205C09}" type="datetimeFigureOut">
               <a:rPr lang="en-US"/>
-              <a:t>3/29/2022</a:t>
+              <a:t>3/30/2022</a:t>
             </a:fld>
             <a:endParaRPr lang="en-US"/>
           </a:p>
@@ -3129,7 +3132,7 @@
           <a:p>
             <a:fld id="{1D8BD707-D9CF-40AE-B4C6-C98DA3205C09}" type="datetimeFigureOut">
               <a:rPr lang="en-US"/>
-              <a:t>3/29/2022</a:t>
+              <a:t>3/30/2022</a:t>
             </a:fld>
             <a:endParaRPr lang="en-US"/>
           </a:p>
@@ -3302,7 +3305,7 @@
           <a:p>
             <a:fld id="{99867D44-512F-45BC-8B1E-1E3D3E676087}" type="datetimeFigureOut">
               <a:rPr lang="en-IN" smtClean="0"/>
-              <a:t>29-03-2022</a:t>
+              <a:t>30-03-2022</a:t>
             </a:fld>
             <a:endParaRPr lang="en-IN"/>
           </a:p>
@@ -3738,7 +3741,7 @@
           <a:p>
             <a:fld id="{1D8BD707-D9CF-40AE-B4C6-C98DA3205C09}" type="datetimeFigureOut">
               <a:rPr lang="en-US"/>
-              <a:t>3/29/2022</a:t>
+              <a:t>3/30/2022</a:t>
             </a:fld>
             <a:endParaRPr lang="en-US"/>
           </a:p>
@@ -4106,7 +4109,7 @@
           <a:p>
             <a:fld id="{1D8BD707-D9CF-40AE-B4C6-C98DA3205C09}" type="datetimeFigureOut">
               <a:rPr lang="en-US"/>
-              <a:t>3/29/2022</a:t>
+              <a:t>3/30/2022</a:t>
             </a:fld>
             <a:endParaRPr lang="en-US"/>
           </a:p>
@@ -4450,7 +4453,7 @@
           <a:p>
             <a:fld id="{1D8BD707-D9CF-40AE-B4C6-C98DA3205C09}" type="datetimeFigureOut">
               <a:rPr lang="en-US"/>
-              <a:t>3/29/2022</a:t>
+              <a:t>3/30/2022</a:t>
             </a:fld>
             <a:endParaRPr lang="en-US"/>
           </a:p>
@@ -4589,7 +4592,7 @@
           <a:p>
             <a:fld id="{1D8BD707-D9CF-40AE-B4C6-C98DA3205C09}" type="datetimeFigureOut">
               <a:rPr lang="en-US"/>
-              <a:t>3/29/2022</a:t>
+              <a:t>3/30/2022</a:t>
             </a:fld>
             <a:endParaRPr lang="en-US"/>
           </a:p>
@@ -4839,7 +4842,7 @@
           <a:p>
             <a:fld id="{99867D44-512F-45BC-8B1E-1E3D3E676087}" type="datetimeFigureOut">
               <a:rPr lang="en-IN" smtClean="0"/>
-              <a:t>29-03-2022</a:t>
+              <a:t>30-03-2022</a:t>
             </a:fld>
             <a:endParaRPr lang="en-IN"/>
           </a:p>
@@ -5068,7 +5071,7 @@
           <a:p>
             <a:fld id="{99867D44-512F-45BC-8B1E-1E3D3E676087}" type="datetimeFigureOut">
               <a:rPr lang="en-IN" smtClean="0"/>
-              <a:t>29-03-2022</a:t>
+              <a:t>30-03-2022</a:t>
             </a:fld>
             <a:endParaRPr lang="en-IN"/>
           </a:p>
@@ -5432,7 +5435,7 @@
           <a:p>
             <a:fld id="{99867D44-512F-45BC-8B1E-1E3D3E676087}" type="datetimeFigureOut">
               <a:rPr lang="en-IN" smtClean="0"/>
-              <a:t>29-03-2022</a:t>
+              <a:t>30-03-2022</a:t>
             </a:fld>
             <a:endParaRPr lang="en-IN"/>
           </a:p>
@@ -5549,7 +5552,7 @@
           <a:p>
             <a:fld id="{99867D44-512F-45BC-8B1E-1E3D3E676087}" type="datetimeFigureOut">
               <a:rPr lang="en-IN" smtClean="0"/>
-              <a:t>29-03-2022</a:t>
+              <a:t>30-03-2022</a:t>
             </a:fld>
             <a:endParaRPr lang="en-IN"/>
           </a:p>
@@ -5644,7 +5647,7 @@
           <a:p>
             <a:fld id="{99867D44-512F-45BC-8B1E-1E3D3E676087}" type="datetimeFigureOut">
               <a:rPr lang="en-IN" smtClean="0"/>
-              <a:t>29-03-2022</a:t>
+              <a:t>30-03-2022</a:t>
             </a:fld>
             <a:endParaRPr lang="en-IN"/>
           </a:p>
@@ -5919,7 +5922,7 @@
           <a:p>
             <a:fld id="{99867D44-512F-45BC-8B1E-1E3D3E676087}" type="datetimeFigureOut">
               <a:rPr lang="en-IN" smtClean="0"/>
-              <a:t>29-03-2022</a:t>
+              <a:t>30-03-2022</a:t>
             </a:fld>
             <a:endParaRPr lang="en-IN"/>
           </a:p>
@@ -6174,7 +6177,7 @@
           <a:p>
             <a:fld id="{99867D44-512F-45BC-8B1E-1E3D3E676087}" type="datetimeFigureOut">
               <a:rPr lang="en-IN" smtClean="0"/>
-              <a:t>29-03-2022</a:t>
+              <a:t>30-03-2022</a:t>
             </a:fld>
             <a:endParaRPr lang="en-IN"/>
           </a:p>
@@ -6385,7 +6388,7 @@
           <a:p>
             <a:fld id="{99867D44-512F-45BC-8B1E-1E3D3E676087}" type="datetimeFigureOut">
               <a:rPr lang="en-IN" smtClean="0"/>
-              <a:t>29-03-2022</a:t>
+              <a:t>30-03-2022</a:t>
             </a:fld>
             <a:endParaRPr lang="en-IN"/>
           </a:p>
@@ -7033,7 +7036,7 @@
           <a:p>
             <a:fld id="{1D8BD707-D9CF-40AE-B4C6-C98DA3205C09}" type="datetimeFigureOut">
               <a:rPr lang="en-US"/>
-              <a:t>3/29/2022</a:t>
+              <a:t>3/30/2022</a:t>
             </a:fld>
             <a:endParaRPr lang="en-US"/>
           </a:p>
@@ -7513,7 +7516,7 @@
           <a:p>
             <a:fld id="{1D8BD707-D9CF-40AE-B4C6-C98DA3205C09}" type="datetimeFigureOut">
               <a:rPr lang="en-US"/>
-              <a:t>3/29/2022</a:t>
+              <a:t>3/30/2022</a:t>
             </a:fld>
             <a:endParaRPr lang="en-US"/>
           </a:p>
@@ -7927,6 +7930,302 @@
           <p:cNvPr id="2" name="Title 1">
             <a:extLst>
               <a:ext uri="{FF2B5EF4-FFF2-40B4-BE49-F238E27FC236}">
+                <a16:creationId xmlns:a16="http://schemas.microsoft.com/office/drawing/2014/main" id="{8232215C-1010-4FFB-9353-1FBB334DC6A5}"/>
+              </a:ext>
+            </a:extLst>
+          </p:cNvPr>
+          <p:cNvSpPr>
+            <a:spLocks noGrp="1"/>
+          </p:cNvSpPr>
+          <p:nvPr>
+            <p:ph type="title"/>
+          </p:nvPr>
+        </p:nvSpPr>
+        <p:spPr>
+          <a:xfrm>
+            <a:off x="1810327" y="140377"/>
+            <a:ext cx="10074502" cy="656655"/>
+          </a:xfrm>
+        </p:spPr>
+        <p:txBody>
+          <a:bodyPr/>
+          <a:lstStyle/>
+          <a:p>
+            <a:r>
+              <a:rPr lang="en-US" dirty="0"/>
+              <a:t>Code Snippet for log file generation</a:t>
+            </a:r>
+          </a:p>
+        </p:txBody>
+      </p:sp>
+      <p:pic>
+        <p:nvPicPr>
+          <p:cNvPr id="4" name="Picture 3" descr="Text&#10;&#10;Description automatically generated">
+            <a:extLst>
+              <a:ext uri="{FF2B5EF4-FFF2-40B4-BE49-F238E27FC236}">
+                <a16:creationId xmlns:a16="http://schemas.microsoft.com/office/drawing/2014/main" id="{11D1315F-13CE-4021-ABFD-DF5EF50EF749}"/>
+              </a:ext>
+            </a:extLst>
+          </p:cNvPr>
+          <p:cNvPicPr>
+            <a:picLocks noChangeAspect="1"/>
+          </p:cNvPicPr>
+          <p:nvPr/>
+        </p:nvPicPr>
+        <p:blipFill>
+          <a:blip r:embed="rId2">
+            <a:extLst>
+              <a:ext uri="{28A0092B-C50C-407E-A947-70E740481C1C}">
+                <a14:useLocalDpi xmlns:a14="http://schemas.microsoft.com/office/drawing/2010/main" val="0"/>
+              </a:ext>
+            </a:extLst>
+          </a:blip>
+          <a:stretch>
+            <a:fillRect/>
+          </a:stretch>
+        </p:blipFill>
+        <p:spPr>
+          <a:xfrm>
+            <a:off x="684886" y="956813"/>
+            <a:ext cx="10822227" cy="4944373"/>
+          </a:xfrm>
+          <a:prstGeom prst="rect">
+            <a:avLst/>
+          </a:prstGeom>
+        </p:spPr>
+      </p:pic>
+    </p:spTree>
+    <p:extLst>
+      <p:ext uri="{BB962C8B-B14F-4D97-AF65-F5344CB8AC3E}">
+        <p14:creationId xmlns:p14="http://schemas.microsoft.com/office/powerpoint/2010/main" val="948604018"/>
+      </p:ext>
+    </p:extLst>
+  </p:cSld>
+  <p:clrMapOvr>
+    <a:masterClrMapping/>
+  </p:clrMapOvr>
+</p:sld>
+</file>
+
+<file path=ppt/slides/slide11.xml><?xml version="1.0" encoding="utf-8"?>
+<p:sld xmlns:a="http://schemas.openxmlformats.org/drawingml/2006/main" xmlns:r="http://schemas.openxmlformats.org/officeDocument/2006/relationships" xmlns:p="http://schemas.openxmlformats.org/presentationml/2006/main">
+  <p:cSld>
+    <p:spTree>
+      <p:nvGrpSpPr>
+        <p:cNvPr id="1" name=""/>
+        <p:cNvGrpSpPr/>
+        <p:nvPr/>
+      </p:nvGrpSpPr>
+      <p:grpSpPr>
+        <a:xfrm>
+          <a:off x="0" y="0"/>
+          <a:ext cx="0" cy="0"/>
+          <a:chOff x="0" y="0"/>
+          <a:chExt cx="0" cy="0"/>
+        </a:xfrm>
+      </p:grpSpPr>
+      <p:sp>
+        <p:nvSpPr>
+          <p:cNvPr id="2" name="Title 1">
+            <a:extLst>
+              <a:ext uri="{FF2B5EF4-FFF2-40B4-BE49-F238E27FC236}">
+                <a16:creationId xmlns:a16="http://schemas.microsoft.com/office/drawing/2014/main" id="{4533A099-4008-4599-831A-65208FE106DE}"/>
+              </a:ext>
+            </a:extLst>
+          </p:cNvPr>
+          <p:cNvSpPr>
+            <a:spLocks noGrp="1"/>
+          </p:cNvSpPr>
+          <p:nvPr>
+            <p:ph type="title"/>
+          </p:nvPr>
+        </p:nvSpPr>
+        <p:spPr>
+          <a:xfrm>
+            <a:off x="3435927" y="140377"/>
+            <a:ext cx="8448902" cy="656655"/>
+          </a:xfrm>
+        </p:spPr>
+        <p:txBody>
+          <a:bodyPr/>
+          <a:lstStyle/>
+          <a:p>
+            <a:r>
+              <a:rPr lang="en-US" dirty="0"/>
+              <a:t>Log File (local)</a:t>
+            </a:r>
+          </a:p>
+        </p:txBody>
+      </p:sp>
+      <p:pic>
+        <p:nvPicPr>
+          <p:cNvPr id="4" name="Picture 3" descr="Text&#10;&#10;Description automatically generated">
+            <a:extLst>
+              <a:ext uri="{FF2B5EF4-FFF2-40B4-BE49-F238E27FC236}">
+                <a16:creationId xmlns:a16="http://schemas.microsoft.com/office/drawing/2014/main" id="{090B3F8D-9281-4E14-8F18-7B68E81196F6}"/>
+              </a:ext>
+            </a:extLst>
+          </p:cNvPr>
+          <p:cNvPicPr>
+            <a:picLocks noChangeAspect="1"/>
+          </p:cNvPicPr>
+          <p:nvPr/>
+        </p:nvPicPr>
+        <p:blipFill>
+          <a:blip r:embed="rId2">
+            <a:extLst>
+              <a:ext uri="{28A0092B-C50C-407E-A947-70E740481C1C}">
+                <a14:useLocalDpi xmlns:a14="http://schemas.microsoft.com/office/drawing/2010/main" val="0"/>
+              </a:ext>
+            </a:extLst>
+          </a:blip>
+          <a:stretch>
+            <a:fillRect/>
+          </a:stretch>
+        </p:blipFill>
+        <p:spPr>
+          <a:xfrm>
+            <a:off x="0" y="819301"/>
+            <a:ext cx="12192000" cy="6038699"/>
+          </a:xfrm>
+          <a:prstGeom prst="rect">
+            <a:avLst/>
+          </a:prstGeom>
+        </p:spPr>
+      </p:pic>
+    </p:spTree>
+    <p:extLst>
+      <p:ext uri="{BB962C8B-B14F-4D97-AF65-F5344CB8AC3E}">
+        <p14:creationId xmlns:p14="http://schemas.microsoft.com/office/powerpoint/2010/main" val="4102703964"/>
+      </p:ext>
+    </p:extLst>
+  </p:cSld>
+  <p:clrMapOvr>
+    <a:masterClrMapping/>
+  </p:clrMapOvr>
+</p:sld>
+</file>
+
+<file path=ppt/slides/slide12.xml><?xml version="1.0" encoding="utf-8"?>
+<p:sld xmlns:a="http://schemas.openxmlformats.org/drawingml/2006/main" xmlns:r="http://schemas.openxmlformats.org/officeDocument/2006/relationships" xmlns:p="http://schemas.openxmlformats.org/presentationml/2006/main">
+  <p:cSld>
+    <p:spTree>
+      <p:nvGrpSpPr>
+        <p:cNvPr id="1" name=""/>
+        <p:cNvGrpSpPr/>
+        <p:nvPr/>
+      </p:nvGrpSpPr>
+      <p:grpSpPr>
+        <a:xfrm>
+          <a:off x="0" y="0"/>
+          <a:ext cx="0" cy="0"/>
+          <a:chOff x="0" y="0"/>
+          <a:chExt cx="0" cy="0"/>
+        </a:xfrm>
+      </p:grpSpPr>
+      <p:sp>
+        <p:nvSpPr>
+          <p:cNvPr id="2" name="Title 1">
+            <a:extLst>
+              <a:ext uri="{FF2B5EF4-FFF2-40B4-BE49-F238E27FC236}">
+                <a16:creationId xmlns:a16="http://schemas.microsoft.com/office/drawing/2014/main" id="{DFD5FB5F-198E-45C6-A3A8-1273565BF79D}"/>
+              </a:ext>
+            </a:extLst>
+          </p:cNvPr>
+          <p:cNvSpPr>
+            <a:spLocks noGrp="1"/>
+          </p:cNvSpPr>
+          <p:nvPr>
+            <p:ph type="title"/>
+          </p:nvPr>
+        </p:nvSpPr>
+        <p:spPr>
+          <a:xfrm>
+            <a:off x="4027055" y="140377"/>
+            <a:ext cx="7857774" cy="656655"/>
+          </a:xfrm>
+        </p:spPr>
+        <p:txBody>
+          <a:bodyPr/>
+          <a:lstStyle/>
+          <a:p>
+            <a:r>
+              <a:rPr lang="en-US" dirty="0"/>
+              <a:t>Log File (EC2)</a:t>
+            </a:r>
+          </a:p>
+        </p:txBody>
+      </p:sp>
+      <p:pic>
+        <p:nvPicPr>
+          <p:cNvPr id="4" name="Picture 3" descr="Text&#10;&#10;Description automatically generated">
+            <a:extLst>
+              <a:ext uri="{FF2B5EF4-FFF2-40B4-BE49-F238E27FC236}">
+                <a16:creationId xmlns:a16="http://schemas.microsoft.com/office/drawing/2014/main" id="{A9EF795C-F6E4-499B-BA9E-13569280B0EE}"/>
+              </a:ext>
+            </a:extLst>
+          </p:cNvPr>
+          <p:cNvPicPr>
+            <a:picLocks noChangeAspect="1"/>
+          </p:cNvPicPr>
+          <p:nvPr/>
+        </p:nvPicPr>
+        <p:blipFill rotWithShape="1">
+          <a:blip r:embed="rId2">
+            <a:extLst>
+              <a:ext uri="{28A0092B-C50C-407E-A947-70E740481C1C}">
+                <a14:useLocalDpi xmlns:a14="http://schemas.microsoft.com/office/drawing/2010/main" val="0"/>
+              </a:ext>
+            </a:extLst>
+          </a:blip>
+          <a:srcRect t="18634" b="6024"/>
+          <a:stretch/>
+        </p:blipFill>
+        <p:spPr>
+          <a:xfrm>
+            <a:off x="307172" y="1024569"/>
+            <a:ext cx="11884827" cy="5100809"/>
+          </a:xfrm>
+          <a:prstGeom prst="rect">
+            <a:avLst/>
+          </a:prstGeom>
+        </p:spPr>
+      </p:pic>
+    </p:spTree>
+    <p:extLst>
+      <p:ext uri="{BB962C8B-B14F-4D97-AF65-F5344CB8AC3E}">
+        <p14:creationId xmlns:p14="http://schemas.microsoft.com/office/powerpoint/2010/main" val="3207279632"/>
+      </p:ext>
+    </p:extLst>
+  </p:cSld>
+  <p:clrMapOvr>
+    <a:masterClrMapping/>
+  </p:clrMapOvr>
+</p:sld>
+</file>
+
+<file path=ppt/slides/slide13.xml><?xml version="1.0" encoding="utf-8"?>
+<p:sld xmlns:a="http://schemas.openxmlformats.org/drawingml/2006/main" xmlns:r="http://schemas.openxmlformats.org/officeDocument/2006/relationships" xmlns:p="http://schemas.openxmlformats.org/presentationml/2006/main">
+  <p:cSld>
+    <p:spTree>
+      <p:nvGrpSpPr>
+        <p:cNvPr id="1" name=""/>
+        <p:cNvGrpSpPr/>
+        <p:nvPr/>
+      </p:nvGrpSpPr>
+      <p:grpSpPr>
+        <a:xfrm>
+          <a:off x="0" y="0"/>
+          <a:ext cx="0" cy="0"/>
+          <a:chOff x="0" y="0"/>
+          <a:chExt cx="0" cy="0"/>
+        </a:xfrm>
+      </p:grpSpPr>
+      <p:sp>
+        <p:nvSpPr>
+          <p:cNvPr id="2" name="Title 1">
+            <a:extLst>
+              <a:ext uri="{FF2B5EF4-FFF2-40B4-BE49-F238E27FC236}">
                 <a16:creationId xmlns:a16="http://schemas.microsoft.com/office/drawing/2014/main" id="{357B8C95-5C52-4841-9E49-150D44D378EB}"/>
               </a:ext>
             </a:extLst>
@@ -8232,7 +8531,7 @@
         </p:nvSpPr>
         <p:spPr>
           <a:xfrm>
-            <a:off x="8482987" y="3337549"/>
+            <a:off x="4404909" y="3551383"/>
             <a:ext cx="3382179" cy="2708434"/>
           </a:xfrm>
           <a:prstGeom prst="rect">
@@ -8362,10 +8661,10 @@
       </p:grpSpPr>
       <p:sp>
         <p:nvSpPr>
-          <p:cNvPr id="2" name="Title 1">
+          <p:cNvPr id="4" name="Title 3">
             <a:extLst>
               <a:ext uri="{FF2B5EF4-FFF2-40B4-BE49-F238E27FC236}">
-                <a16:creationId xmlns:a16="http://schemas.microsoft.com/office/drawing/2014/main" id="{357B8C95-5C52-4841-9E49-150D44D378EB}"/>
+                <a16:creationId xmlns:a16="http://schemas.microsoft.com/office/drawing/2014/main" id="{B8000501-8A70-4C45-A967-C7E1B335C70C}"/>
               </a:ext>
             </a:extLst>
           </p:cNvPr>
@@ -8373,34 +8672,155 @@
             <a:spLocks noGrp="1"/>
           </p:cNvSpPr>
           <p:nvPr>
-            <p:ph type="title" idx="4294967295"/>
-          </p:nvPr>
-        </p:nvSpPr>
-        <p:spPr>
-          <a:xfrm>
-            <a:off x="538480" y="2770505"/>
-            <a:ext cx="11112500" cy="657225"/>
+            <p:ph type="title"/>
+          </p:nvPr>
+        </p:nvSpPr>
+        <p:spPr>
+          <a:xfrm>
+            <a:off x="4073235" y="276978"/>
+            <a:ext cx="7132397" cy="692709"/>
           </a:xfrm>
         </p:spPr>
         <p:txBody>
           <a:bodyPr wrap="square" lIns="0" tIns="0" rIns="0" bIns="0" anchor="t">
+            <a:normAutofit/>
+          </a:bodyPr>
+          <a:lstStyle/>
+          <a:p>
+            <a:r>
+              <a:rPr lang="en-US" sz="2900" spc="-13" dirty="0"/>
+              <a:t>Introduction</a:t>
+            </a:r>
+            <a:endParaRPr lang="en-IN" sz="2900" spc="-13" dirty="0"/>
+          </a:p>
+        </p:txBody>
+      </p:sp>
+      <p:sp>
+        <p:nvSpPr>
+          <p:cNvPr id="5" name="TextBox 4">
+            <a:extLst>
+              <a:ext uri="{FF2B5EF4-FFF2-40B4-BE49-F238E27FC236}">
+                <a16:creationId xmlns:a16="http://schemas.microsoft.com/office/drawing/2014/main" id="{85F2D781-788D-4250-9009-CD9EDA208B42}"/>
+              </a:ext>
+            </a:extLst>
+          </p:cNvPr>
+          <p:cNvSpPr txBox="1"/>
+          <p:nvPr/>
+        </p:nvSpPr>
+        <p:spPr>
+          <a:xfrm>
+            <a:off x="208429" y="1045768"/>
+            <a:ext cx="11696145" cy="5309146"/>
+          </a:xfrm>
+          <a:prstGeom prst="rect">
+            <a:avLst/>
+          </a:prstGeom>
+          <a:noFill/>
+        </p:spPr>
+        <p:txBody>
+          <a:bodyPr wrap="square" lIns="91440" tIns="45720" rIns="91440" bIns="45720" rtlCol="0" anchor="t">
             <a:spAutoFit/>
           </a:bodyPr>
           <a:lstStyle/>
           <a:p>
-            <a:pPr algn="ctr"/>
-            <a:r>
-              <a:rPr lang="en-US" sz="4250"/>
-              <a:t>Problem Statement</a:t>
-            </a:r>
-            <a:endParaRPr lang="en-US"/>
+            <a:pPr algn="just">
+              <a:spcBef>
+                <a:spcPts val="600"/>
+              </a:spcBef>
+            </a:pPr>
+            <a:r>
+              <a:rPr lang="en-US" sz="2800" b="0" i="0" dirty="0">
+                <a:solidFill>
+                  <a:schemeClr val="bg1"/>
+                </a:solidFill>
+                <a:effectLst/>
+                <a:latin typeface="UberMoveText"/>
+              </a:rPr>
+              <a:t>Uber is a technology company whose mission is to reimagine the way the world moves for the better. The technology at Uber helps </a:t>
+            </a:r>
+            <a:r>
+              <a:rPr lang="en-US" sz="2800" dirty="0">
+                <a:solidFill>
+                  <a:schemeClr val="bg1"/>
+                </a:solidFill>
+                <a:latin typeface="UberMoveText"/>
+              </a:rPr>
+              <a:t>to </a:t>
+            </a:r>
+            <a:r>
+              <a:rPr lang="en-US" sz="2800" b="0" i="0" dirty="0">
+                <a:solidFill>
+                  <a:schemeClr val="bg1"/>
+                </a:solidFill>
+                <a:effectLst/>
+                <a:latin typeface="UberMoveText"/>
+              </a:rPr>
+              <a:t>develop and maintain multisided platforms that match consumers looking for rides and independent providers of ride services, as well as with other forms of transportation, including public transit, bikes, and scooters.</a:t>
+            </a:r>
+          </a:p>
+          <a:p>
+            <a:pPr algn="l"/>
+            <a:r>
+              <a:rPr lang="en-US" sz="2800" dirty="0">
+                <a:solidFill>
+                  <a:schemeClr val="bg1"/>
+                </a:solidFill>
+                <a:latin typeface="UberMoveText"/>
+              </a:rPr>
+              <a:t>Uber</a:t>
+            </a:r>
+            <a:r>
+              <a:rPr lang="en-US" sz="2800" b="0" i="0" dirty="0">
+                <a:solidFill>
+                  <a:schemeClr val="bg1"/>
+                </a:solidFill>
+                <a:effectLst/>
+                <a:latin typeface="UberMoveText"/>
+              </a:rPr>
+              <a:t> also connect consumers and restaurants, grocers, and other merchants so they can buy and sell meals, groceries, and other items, then these are matched with independent delivery service providers. Plus, Uber connects shippers and carriers in the freight industry.</a:t>
+            </a:r>
+          </a:p>
+          <a:p>
+            <a:pPr algn="l"/>
+            <a:r>
+              <a:rPr lang="en-US" sz="2800" dirty="0">
+                <a:solidFill>
+                  <a:schemeClr val="bg1"/>
+                </a:solidFill>
+                <a:latin typeface="UberMoveText"/>
+              </a:rPr>
+              <a:t>The </a:t>
+            </a:r>
+            <a:r>
+              <a:rPr lang="en-US" sz="2800" b="0" i="0" dirty="0">
+                <a:solidFill>
+                  <a:schemeClr val="bg1"/>
+                </a:solidFill>
+                <a:effectLst/>
+                <a:latin typeface="UberMoveText"/>
+              </a:rPr>
+              <a:t>technology at Uber helps people connect and move in over 70 countries and 10,000 cities around the world.</a:t>
+            </a:r>
+          </a:p>
+          <a:p>
+            <a:pPr algn="just">
+              <a:spcBef>
+                <a:spcPts val="600"/>
+              </a:spcBef>
+            </a:pPr>
+            <a:endParaRPr lang="en-US" sz="2600" dirty="0">
+              <a:solidFill>
+                <a:schemeClr val="bg1"/>
+              </a:solidFill>
+              <a:cs typeface="Calibri"/>
+            </a:endParaRPr>
           </a:p>
         </p:txBody>
       </p:sp>
     </p:spTree>
     <p:extLst>
       <p:ext uri="{BB962C8B-B14F-4D97-AF65-F5344CB8AC3E}">
-        <p14:creationId xmlns:p14="http://schemas.microsoft.com/office/powerpoint/2010/main" val="101167008"/>
+        <p14:creationId xmlns:p14="http://schemas.microsoft.com/office/powerpoint/2010/main" val="2130975000"/>
       </p:ext>
     </p:extLst>
   </p:cSld>
@@ -8445,8 +8865,8 @@
         </p:nvSpPr>
         <p:spPr>
           <a:xfrm>
-            <a:off x="690033" y="276978"/>
-            <a:ext cx="10515600" cy="692709"/>
+            <a:off x="3565236" y="276978"/>
+            <a:ext cx="7640397" cy="692709"/>
           </a:xfrm>
         </p:spPr>
         <p:txBody>
@@ -8455,11 +8875,12 @@
           </a:bodyPr>
           <a:lstStyle/>
           <a:p>
-            <a:r>
-              <a:rPr lang="en-US" sz="2900" spc="-13"/>
+            <a:pPr algn="just"/>
+            <a:r>
+              <a:rPr lang="en-US" sz="2900" spc="-13" dirty="0"/>
               <a:t>Business Requirement</a:t>
             </a:r>
-            <a:endParaRPr lang="en-IN" sz="2900" spc="-13"/>
+            <a:endParaRPr lang="en-IN" sz="2900" spc="-13" dirty="0"/>
           </a:p>
         </p:txBody>
       </p:sp>
@@ -8477,8 +8898,8 @@
         </p:nvSpPr>
         <p:spPr>
           <a:xfrm>
-            <a:off x="208429" y="1045768"/>
-            <a:ext cx="11696145" cy="5309146"/>
+            <a:off x="694204" y="1045768"/>
+            <a:ext cx="11210370" cy="3524042"/>
           </a:xfrm>
           <a:prstGeom prst="rect">
             <a:avLst/>
@@ -8491,90 +8912,62 @@
           </a:bodyPr>
           <a:lstStyle/>
           <a:p>
-            <a:pPr algn="just">
+            <a:pPr marL="514350" indent="-514350" algn="just">
               <a:spcBef>
                 <a:spcPts val="600"/>
               </a:spcBef>
+              <a:buAutoNum type="arabicPeriod"/>
             </a:pPr>
             <a:r>
-              <a:rPr lang="en-US" sz="2800" b="0" i="0" dirty="0">
+              <a:rPr lang="en-US" sz="2600" dirty="0">
                 <a:solidFill>
                   <a:schemeClr val="bg1"/>
                 </a:solidFill>
-                <a:effectLst/>
-                <a:latin typeface="UberMoveText"/>
+                <a:cs typeface="Calibri"/>
               </a:rPr>
-              <a:t>Uber is a technology company whose mission is to reimagine the way the world moves for the better. The technology at Uber helps </a:t>
-            </a:r>
-            <a:r>
-              <a:rPr lang="en-US" sz="2800" dirty="0">
+              <a:t>To capture, manage and store the real time data which is generated continuously since the company is providing the services to millions of people all over the world.  </a:t>
+            </a:r>
+          </a:p>
+          <a:p>
+            <a:pPr marL="514350" indent="-514350" algn="just">
+              <a:spcBef>
+                <a:spcPts val="600"/>
+              </a:spcBef>
+              <a:buAutoNum type="arabicPeriod"/>
+            </a:pPr>
+            <a:r>
+              <a:rPr lang="en-US" sz="2600" dirty="0">
                 <a:solidFill>
                   <a:schemeClr val="bg1"/>
                 </a:solidFill>
-                <a:latin typeface="UberMoveText"/>
+                <a:cs typeface="Calibri"/>
               </a:rPr>
-              <a:t>to </a:t>
-            </a:r>
-            <a:r>
-              <a:rPr lang="en-US" sz="2800" b="0" i="0" dirty="0">
+              <a:t>To design an efficient algorithm using machine learning model which will predict the fare to be charged for a passenger for the future transactional cases</a:t>
+            </a:r>
+          </a:p>
+          <a:p>
+            <a:pPr marL="514350" indent="-514350" algn="just">
+              <a:spcBef>
+                <a:spcPts val="600"/>
+              </a:spcBef>
+              <a:buAutoNum type="arabicPeriod"/>
+            </a:pPr>
+            <a:r>
+              <a:rPr lang="en-US" sz="2600" dirty="0">
                 <a:solidFill>
                   <a:schemeClr val="bg1"/>
                 </a:solidFill>
-                <a:effectLst/>
-                <a:latin typeface="UberMoveText"/>
+                <a:cs typeface="Calibri"/>
               </a:rPr>
-              <a:t>develop and maintain multisided platforms that match consumers looking for rides and independent providers of ride services, as well as with other forms of transportation, including public transit, bikes, and scooters.</a:t>
-            </a:r>
-          </a:p>
-          <a:p>
-            <a:pPr algn="l"/>
-            <a:r>
-              <a:rPr lang="en-US" sz="2800" dirty="0">
-                <a:solidFill>
-                  <a:schemeClr val="bg1"/>
-                </a:solidFill>
-                <a:latin typeface="UberMoveText"/>
-              </a:rPr>
-              <a:t>Uber</a:t>
-            </a:r>
-            <a:r>
-              <a:rPr lang="en-US" sz="2800" b="0" i="0" dirty="0">
-                <a:solidFill>
-                  <a:schemeClr val="bg1"/>
-                </a:solidFill>
-                <a:effectLst/>
-                <a:latin typeface="UberMoveText"/>
-              </a:rPr>
-              <a:t> also connect consumers and restaurants, grocers, and other merchants so they can buy and sell meals, groceries, and other items, then these are matched with independent delivery service providers. Plus, Uber connects shippers and carriers in the freight industry.</a:t>
-            </a:r>
-          </a:p>
-          <a:p>
-            <a:pPr algn="l"/>
-            <a:r>
-              <a:rPr lang="en-US" sz="2800" dirty="0">
-                <a:solidFill>
-                  <a:schemeClr val="bg1"/>
-                </a:solidFill>
-                <a:latin typeface="UberMoveText"/>
-              </a:rPr>
-              <a:t>The </a:t>
-            </a:r>
-            <a:r>
-              <a:rPr lang="en-US" sz="2800" b="0" i="0" dirty="0">
-                <a:solidFill>
-                  <a:schemeClr val="bg1"/>
-                </a:solidFill>
-                <a:effectLst/>
-                <a:latin typeface="UberMoveText"/>
-              </a:rPr>
-              <a:t>technology at Uber helps people connect and move in over 70 countries and 10,000 cities around the world.</a:t>
-            </a:r>
-          </a:p>
-          <a:p>
-            <a:pPr algn="just">
+              <a:t>The fare prices should be estimated accurately</a:t>
+            </a:r>
+          </a:p>
+          <a:p>
+            <a:pPr marL="514350" indent="-514350" algn="just">
               <a:spcBef>
                 <a:spcPts val="600"/>
               </a:spcBef>
+              <a:buAutoNum type="arabicPeriod"/>
             </a:pPr>
             <a:endParaRPr lang="en-US" sz="2600" dirty="0">
               <a:solidFill>
@@ -8588,7 +8981,7 @@
     </p:spTree>
     <p:extLst>
       <p:ext uri="{BB962C8B-B14F-4D97-AF65-F5344CB8AC3E}">
-        <p14:creationId xmlns:p14="http://schemas.microsoft.com/office/powerpoint/2010/main" val="2130975000"/>
+        <p14:creationId xmlns:p14="http://schemas.microsoft.com/office/powerpoint/2010/main" val="2046966904"/>
       </p:ext>
     </p:extLst>
   </p:cSld>
@@ -8617,10 +9010,10 @@
       </p:grpSpPr>
       <p:sp>
         <p:nvSpPr>
-          <p:cNvPr id="4" name="Title 3">
+          <p:cNvPr id="2" name="Title 1">
             <a:extLst>
               <a:ext uri="{FF2B5EF4-FFF2-40B4-BE49-F238E27FC236}">
-                <a16:creationId xmlns:a16="http://schemas.microsoft.com/office/drawing/2014/main" id="{B8000501-8A70-4C45-A967-C7E1B335C70C}"/>
+                <a16:creationId xmlns:a16="http://schemas.microsoft.com/office/drawing/2014/main" id="{1E3B56DC-CEFC-4CD2-A1AC-E06B49879B18}"/>
               </a:ext>
             </a:extLst>
           </p:cNvPr>
@@ -8633,30 +9026,27 @@
         </p:nvSpPr>
         <p:spPr>
           <a:xfrm>
-            <a:off x="690033" y="276978"/>
-            <a:ext cx="10515600" cy="692709"/>
-          </a:xfrm>
-        </p:spPr>
-        <p:txBody>
-          <a:bodyPr wrap="square" lIns="0" tIns="0" rIns="0" bIns="0" anchor="t">
-            <a:normAutofit/>
-          </a:bodyPr>
+            <a:off x="4267200" y="140377"/>
+            <a:ext cx="7617629" cy="656655"/>
+          </a:xfrm>
+        </p:spPr>
+        <p:txBody>
+          <a:bodyPr/>
           <a:lstStyle/>
           <a:p>
             <a:r>
-              <a:rPr lang="en-US" sz="2900" spc="-13"/>
-              <a:t>Business Requirement</a:t>
-            </a:r>
-            <a:endParaRPr lang="en-IN" sz="2900" spc="-13"/>
-          </a:p>
-        </p:txBody>
-      </p:sp>
-      <p:sp>
-        <p:nvSpPr>
-          <p:cNvPr id="5" name="TextBox 4">
+              <a:rPr lang="en-US" dirty="0"/>
+              <a:t> Objectives</a:t>
+            </a:r>
+          </a:p>
+        </p:txBody>
+      </p:sp>
+      <p:sp>
+        <p:nvSpPr>
+          <p:cNvPr id="4" name="TextBox 3">
             <a:extLst>
               <a:ext uri="{FF2B5EF4-FFF2-40B4-BE49-F238E27FC236}">
-                <a16:creationId xmlns:a16="http://schemas.microsoft.com/office/drawing/2014/main" id="{85F2D781-788D-4250-9009-CD9EDA208B42}"/>
+                <a16:creationId xmlns:a16="http://schemas.microsoft.com/office/drawing/2014/main" id="{3F6DCF43-DC2F-41E0-A04C-D3EC2916FCD7}"/>
               </a:ext>
             </a:extLst>
           </p:cNvPr>
@@ -8665,8 +9055,8 @@
         </p:nvSpPr>
         <p:spPr>
           <a:xfrm>
-            <a:off x="694204" y="1045768"/>
-            <a:ext cx="11210370" cy="3524042"/>
+            <a:off x="627961" y="1366092"/>
+            <a:ext cx="10719412" cy="3847207"/>
           </a:xfrm>
           <a:prstGeom prst="rect">
             <a:avLst/>
@@ -8674,81 +9064,93 @@
           <a:noFill/>
         </p:spPr>
         <p:txBody>
-          <a:bodyPr wrap="square" lIns="91440" tIns="45720" rIns="91440" bIns="45720" rtlCol="0" anchor="t">
+          <a:bodyPr wrap="square" rtlCol="0">
             <a:spAutoFit/>
           </a:bodyPr>
           <a:lstStyle/>
           <a:p>
-            <a:pPr marL="514350" indent="-514350" algn="just">
-              <a:spcBef>
-                <a:spcPts val="600"/>
-              </a:spcBef>
+            <a:pPr marL="457200" indent="-457200">
               <a:buAutoNum type="arabicPeriod"/>
             </a:pPr>
             <a:r>
-              <a:rPr lang="en-US" sz="2600" dirty="0">
+              <a:rPr lang="en-US" sz="2800" dirty="0">
                 <a:solidFill>
                   <a:schemeClr val="bg1"/>
                 </a:solidFill>
                 <a:cs typeface="Calibri"/>
               </a:rPr>
-              <a:t>To capture, manage and store the real time data which is generated continuously since the company is providing the services to millions of people all over the world.  </a:t>
-            </a:r>
-          </a:p>
-          <a:p>
-            <a:pPr marL="514350" indent="-514350" algn="just">
-              <a:spcBef>
-                <a:spcPts val="600"/>
-              </a:spcBef>
+              <a:t>To capture, manage and store the real time data which is generated continuously since the company is providing the services to millions of people.</a:t>
+            </a:r>
+          </a:p>
+          <a:p>
+            <a:pPr marL="457200" indent="-457200">
               <a:buAutoNum type="arabicPeriod"/>
             </a:pPr>
             <a:r>
-              <a:rPr lang="en-US" sz="2600" dirty="0">
+              <a:rPr lang="en-US" sz="2800" dirty="0">
                 <a:solidFill>
                   <a:schemeClr val="bg1"/>
                 </a:solidFill>
                 <a:cs typeface="Calibri"/>
               </a:rPr>
-              <a:t>To design an efficient algorithm using machine learning model which will predict the fare to be charged for a passenger for the future transactional cases</a:t>
-            </a:r>
-          </a:p>
-          <a:p>
-            <a:pPr marL="514350" indent="-514350" algn="just">
-              <a:spcBef>
-                <a:spcPts val="600"/>
-              </a:spcBef>
+              <a:t>To Generate logs Continuously using the AWS Services.</a:t>
+            </a:r>
+          </a:p>
+          <a:p>
+            <a:pPr marL="457200" indent="-457200">
               <a:buAutoNum type="arabicPeriod"/>
             </a:pPr>
             <a:r>
-              <a:rPr lang="en-US" sz="2600" dirty="0">
+              <a:rPr lang="en-US" sz="2800" dirty="0">
                 <a:solidFill>
                   <a:schemeClr val="bg1"/>
                 </a:solidFill>
                 <a:cs typeface="Calibri"/>
               </a:rPr>
-              <a:t>The fare prices should be estimated accurately</a:t>
-            </a:r>
-          </a:p>
-          <a:p>
-            <a:pPr marL="514350" indent="-514350" algn="just">
-              <a:spcBef>
-                <a:spcPts val="600"/>
-              </a:spcBef>
+              <a:t>To design an efficient algorithm using machine learning model which will predict the fare to be charged.</a:t>
+            </a:r>
+          </a:p>
+          <a:p>
+            <a:pPr marL="457200" indent="-457200">
               <a:buAutoNum type="arabicPeriod"/>
             </a:pPr>
-            <a:endParaRPr lang="en-US" sz="2600" dirty="0">
+            <a:r>
+              <a:rPr lang="en-US" sz="2800" dirty="0">
+                <a:solidFill>
+                  <a:schemeClr val="bg1"/>
+                </a:solidFill>
+                <a:cs typeface="Calibri"/>
+              </a:rPr>
+              <a:t> To visualize the Analyzed &amp; Cleaned data to gain insights.</a:t>
+            </a:r>
+          </a:p>
+          <a:p>
+            <a:pPr marL="457200" indent="-457200">
+              <a:buAutoNum type="arabicPeriod"/>
+            </a:pPr>
+            <a:endParaRPr lang="en-US" sz="2400" dirty="0">
               <a:solidFill>
                 <a:schemeClr val="bg1"/>
               </a:solidFill>
               <a:cs typeface="Calibri"/>
             </a:endParaRPr>
           </a:p>
+          <a:p>
+            <a:pPr marL="457200" indent="-457200">
+              <a:buAutoNum type="arabicPeriod"/>
+            </a:pPr>
+            <a:endParaRPr lang="en-US" sz="2400" dirty="0">
+              <a:solidFill>
+                <a:schemeClr val="bg1"/>
+              </a:solidFill>
+            </a:endParaRPr>
+          </a:p>
         </p:txBody>
       </p:sp>
     </p:spTree>
     <p:extLst>
       <p:ext uri="{BB962C8B-B14F-4D97-AF65-F5344CB8AC3E}">
-        <p14:creationId xmlns:p14="http://schemas.microsoft.com/office/powerpoint/2010/main" val="2046966904"/>
+        <p14:creationId xmlns:p14="http://schemas.microsoft.com/office/powerpoint/2010/main" val="251428539"/>
       </p:ext>
     </p:extLst>
   </p:cSld>
@@ -8777,10 +9179,10 @@
       </p:grpSpPr>
       <p:sp>
         <p:nvSpPr>
-          <p:cNvPr id="2" name="Title 1">
+          <p:cNvPr id="4" name="Title 3">
             <a:extLst>
               <a:ext uri="{FF2B5EF4-FFF2-40B4-BE49-F238E27FC236}">
-                <a16:creationId xmlns:a16="http://schemas.microsoft.com/office/drawing/2014/main" id="{1E3B56DC-CEFC-4CD2-A1AC-E06B49879B18}"/>
+                <a16:creationId xmlns:a16="http://schemas.microsoft.com/office/drawing/2014/main" id="{B8000501-8A70-4C45-A967-C7E1B335C70C}"/>
               </a:ext>
             </a:extLst>
           </p:cNvPr>
@@ -8791,24 +9193,32 @@
             <p:ph type="title"/>
           </p:nvPr>
         </p:nvSpPr>
-        <p:spPr/>
-        <p:txBody>
-          <a:bodyPr/>
+        <p:spPr>
+          <a:xfrm>
+            <a:off x="4959927" y="276978"/>
+            <a:ext cx="6245706" cy="692709"/>
+          </a:xfrm>
+        </p:spPr>
+        <p:txBody>
+          <a:bodyPr wrap="square" lIns="0" tIns="0" rIns="0" bIns="0" anchor="t">
+            <a:normAutofit/>
+          </a:bodyPr>
           <a:lstStyle/>
           <a:p>
             <a:r>
-              <a:rPr lang="en-US" dirty="0"/>
-              <a:t> Objectives</a:t>
-            </a:r>
-          </a:p>
-        </p:txBody>
-      </p:sp>
-      <p:sp>
-        <p:nvSpPr>
-          <p:cNvPr id="4" name="TextBox 3">
+              <a:rPr lang="en-US" sz="2900" spc="-13" dirty="0"/>
+              <a:t>Dataset</a:t>
+            </a:r>
+            <a:endParaRPr lang="en-IN" sz="2900" spc="-13" dirty="0"/>
+          </a:p>
+        </p:txBody>
+      </p:sp>
+      <p:sp>
+        <p:nvSpPr>
+          <p:cNvPr id="5" name="TextBox 4">
             <a:extLst>
               <a:ext uri="{FF2B5EF4-FFF2-40B4-BE49-F238E27FC236}">
-                <a16:creationId xmlns:a16="http://schemas.microsoft.com/office/drawing/2014/main" id="{3F6DCF43-DC2F-41E0-A04C-D3EC2916FCD7}"/>
+                <a16:creationId xmlns:a16="http://schemas.microsoft.com/office/drawing/2014/main" id="{85F2D781-788D-4250-9009-CD9EDA208B42}"/>
               </a:ext>
             </a:extLst>
           </p:cNvPr>
@@ -8817,8 +9227,8 @@
         </p:nvSpPr>
         <p:spPr>
           <a:xfrm>
-            <a:off x="627961" y="1366092"/>
-            <a:ext cx="10719412" cy="3416320"/>
+            <a:off x="694204" y="1045768"/>
+            <a:ext cx="11210370" cy="4401205"/>
           </a:xfrm>
           <a:prstGeom prst="rect">
             <a:avLst/>
@@ -8826,79 +9236,172 @@
           <a:noFill/>
         </p:spPr>
         <p:txBody>
-          <a:bodyPr wrap="square" rtlCol="0">
+          <a:bodyPr wrap="square" lIns="91440" tIns="45720" rIns="91440" bIns="45720" rtlCol="0" anchor="t">
             <a:spAutoFit/>
           </a:bodyPr>
           <a:lstStyle/>
           <a:p>
-            <a:pPr marL="457200" indent="-457200">
+            <a:pPr marL="514350" indent="-514350" algn="just">
               <a:buAutoNum type="arabicPeriod"/>
             </a:pPr>
             <a:r>
-              <a:rPr lang="en-US" sz="2800" dirty="0">
+              <a:rPr lang="en-US" sz="3200" dirty="0">
+                <a:solidFill>
+                  <a:schemeClr val="bg1"/>
+                </a:solidFill>
+                <a:ea typeface="+mn-lt"/>
+                <a:cs typeface="+mn-lt"/>
+              </a:rPr>
+              <a:t>Since the data is generated in real time, the columns of the data to be received are as follows:</a:t>
+            </a:r>
+          </a:p>
+          <a:p>
+            <a:pPr marL="800100" lvl="1" indent="-342900" algn="just">
+              <a:buFont typeface="Arial" panose="020B0604020202020204" pitchFamily="34" charset="0"/>
+              <a:buChar char="•"/>
+            </a:pPr>
+            <a:r>
+              <a:rPr lang="en-US" sz="2400" dirty="0">
                 <a:solidFill>
                   <a:schemeClr val="bg1"/>
                 </a:solidFill>
                 <a:cs typeface="Calibri"/>
               </a:rPr>
-              <a:t>To capture, manage and store the real time data which is generated continuously since the company is providing the services to millions of people.</a:t>
-            </a:r>
-          </a:p>
-          <a:p>
-            <a:pPr marL="457200" indent="-457200">
-              <a:buAutoNum type="arabicPeriod"/>
+              <a:t>Customer ID</a:t>
+            </a:r>
+          </a:p>
+          <a:p>
+            <a:pPr marL="800100" lvl="1" indent="-342900" algn="just">
+              <a:buFont typeface="Arial" panose="020B0604020202020204" pitchFamily="34" charset="0"/>
+              <a:buChar char="•"/>
             </a:pPr>
             <a:r>
-              <a:rPr lang="en-US" sz="2800" dirty="0">
+              <a:rPr lang="en-US" sz="2400" dirty="0">
                 <a:solidFill>
                   <a:schemeClr val="bg1"/>
                 </a:solidFill>
                 <a:cs typeface="Calibri"/>
               </a:rPr>
-              <a:t>To Generate logs Continuously using the AWS Services.</a:t>
-            </a:r>
-          </a:p>
-          <a:p>
-            <a:pPr marL="457200" indent="-457200">
-              <a:buAutoNum type="arabicPeriod"/>
+              <a:t>Gender</a:t>
+            </a:r>
+          </a:p>
+          <a:p>
+            <a:pPr marL="800100" lvl="1" indent="-342900" algn="just">
+              <a:buFont typeface="Arial" panose="020B0604020202020204" pitchFamily="34" charset="0"/>
+              <a:buChar char="•"/>
             </a:pPr>
             <a:r>
-              <a:rPr lang="en-US" sz="2800" dirty="0">
+              <a:rPr lang="en-US" sz="2400" dirty="0">
                 <a:solidFill>
                   <a:schemeClr val="bg1"/>
                 </a:solidFill>
                 <a:cs typeface="Calibri"/>
               </a:rPr>
-              <a:t>To design an efficient algorithm using machine learning model which will predict the fare to be charged.</a:t>
-            </a:r>
-          </a:p>
-          <a:p>
-            <a:pPr marL="457200" indent="-457200">
-              <a:buAutoNum type="arabicPeriod"/>
+              <a:t>Current Date – The date at which the ride is booked</a:t>
+            </a:r>
+          </a:p>
+          <a:p>
+            <a:pPr marL="800100" lvl="1" indent="-342900" algn="just">
+              <a:buFont typeface="Arial" panose="020B0604020202020204" pitchFamily="34" charset="0"/>
+              <a:buChar char="•"/>
             </a:pPr>
-            <a:endParaRPr lang="en-US" sz="2400" dirty="0">
+            <a:r>
+              <a:rPr lang="en-US" sz="2400" dirty="0">
+                <a:solidFill>
+                  <a:schemeClr val="bg1"/>
+                </a:solidFill>
+                <a:cs typeface="Calibri"/>
+              </a:rPr>
+              <a:t>Current Time – The time at which the ride is booked</a:t>
+            </a:r>
+          </a:p>
+          <a:p>
+            <a:pPr marL="800100" lvl="1" indent="-342900" algn="just">
+              <a:buFont typeface="Arial" panose="020B0604020202020204" pitchFamily="34" charset="0"/>
+              <a:buChar char="•"/>
+            </a:pPr>
+            <a:r>
+              <a:rPr lang="en-US" sz="2400" dirty="0">
+                <a:solidFill>
+                  <a:schemeClr val="bg1"/>
+                </a:solidFill>
+                <a:cs typeface="Calibri"/>
+              </a:rPr>
+              <a:t>Pickup Address – The address for pickup</a:t>
+            </a:r>
+          </a:p>
+          <a:p>
+            <a:pPr marL="800100" lvl="1" indent="-342900" algn="just">
+              <a:buFont typeface="Arial" panose="020B0604020202020204" pitchFamily="34" charset="0"/>
+              <a:buChar char="•"/>
+            </a:pPr>
+            <a:r>
+              <a:rPr lang="en-US" sz="2400" dirty="0">
+                <a:solidFill>
+                  <a:schemeClr val="bg1"/>
+                </a:solidFill>
+                <a:cs typeface="Calibri"/>
+              </a:rPr>
+              <a:t>Pickup Time – The time at which the pickup is expected</a:t>
+            </a:r>
+          </a:p>
+          <a:p>
+            <a:pPr marL="800100" lvl="1" indent="-342900" algn="just">
+              <a:buFont typeface="Arial" panose="020B0604020202020204" pitchFamily="34" charset="0"/>
+              <a:buChar char="•"/>
+            </a:pPr>
+            <a:r>
+              <a:rPr lang="en-US" sz="2400" dirty="0">
+                <a:solidFill>
+                  <a:schemeClr val="bg1"/>
+                </a:solidFill>
+                <a:cs typeface="Calibri"/>
+              </a:rPr>
+              <a:t>Drop Time – Expected drop time</a:t>
+            </a:r>
+          </a:p>
+          <a:p>
+            <a:pPr marL="800100" lvl="1" indent="-342900" algn="just">
+              <a:buFont typeface="Arial" panose="020B0604020202020204" pitchFamily="34" charset="0"/>
+              <a:buChar char="•"/>
+            </a:pPr>
+            <a:r>
+              <a:rPr lang="en-US" sz="2400" dirty="0">
+                <a:solidFill>
+                  <a:schemeClr val="bg1"/>
+                </a:solidFill>
+                <a:cs typeface="Calibri"/>
+              </a:rPr>
+              <a:t>Drop Location – The destination address</a:t>
+            </a:r>
+          </a:p>
+          <a:p>
+            <a:pPr marL="800100" lvl="1" indent="-342900" algn="just">
+              <a:buFont typeface="Arial" panose="020B0604020202020204" pitchFamily="34" charset="0"/>
+              <a:buChar char="•"/>
+            </a:pPr>
+            <a:r>
+              <a:rPr lang="en-US" sz="2400" dirty="0">
+                <a:solidFill>
+                  <a:schemeClr val="bg1"/>
+                </a:solidFill>
+                <a:cs typeface="Calibri"/>
+              </a:rPr>
+              <a:t>Cost – The fare for the trip</a:t>
+            </a:r>
+            <a:endParaRPr lang="en-US" dirty="0">
               <a:solidFill>
                 <a:schemeClr val="bg1"/>
               </a:solidFill>
               <a:cs typeface="Calibri"/>
             </a:endParaRPr>
           </a:p>
-          <a:p>
-            <a:pPr marL="457200" indent="-457200">
-              <a:buAutoNum type="arabicPeriod"/>
-            </a:pPr>
-            <a:endParaRPr lang="en-US" sz="2400" dirty="0">
-              <a:solidFill>
-                <a:schemeClr val="bg1"/>
-              </a:solidFill>
-            </a:endParaRPr>
-          </a:p>
         </p:txBody>
       </p:sp>
     </p:spTree>
     <p:extLst>
       <p:ext uri="{BB962C8B-B14F-4D97-AF65-F5344CB8AC3E}">
-        <p14:creationId xmlns:p14="http://schemas.microsoft.com/office/powerpoint/2010/main" val="251428539"/>
+        <p14:creationId xmlns:p14="http://schemas.microsoft.com/office/powerpoint/2010/main" val="1221527441"/>
       </p:ext>
     </p:extLst>
   </p:cSld>
@@ -8927,10 +9430,10 @@
       </p:grpSpPr>
       <p:sp>
         <p:nvSpPr>
-          <p:cNvPr id="4" name="Title 3">
+          <p:cNvPr id="2" name="Title 1">
             <a:extLst>
               <a:ext uri="{FF2B5EF4-FFF2-40B4-BE49-F238E27FC236}">
-                <a16:creationId xmlns:a16="http://schemas.microsoft.com/office/drawing/2014/main" id="{B8000501-8A70-4C45-A967-C7E1B335C70C}"/>
+                <a16:creationId xmlns:a16="http://schemas.microsoft.com/office/drawing/2014/main" id="{D4BAFC11-A8D1-4A51-8F73-D9CB98F0FCF7}"/>
               </a:ext>
             </a:extLst>
           </p:cNvPr>
@@ -8943,213 +9446,61 @@
         </p:nvSpPr>
         <p:spPr>
           <a:xfrm>
-            <a:off x="690033" y="276978"/>
-            <a:ext cx="10515600" cy="692709"/>
-          </a:xfrm>
-        </p:spPr>
-        <p:txBody>
-          <a:bodyPr wrap="square" lIns="0" tIns="0" rIns="0" bIns="0" anchor="t">
-            <a:normAutofit/>
-          </a:bodyPr>
+            <a:off x="3970854" y="140377"/>
+            <a:ext cx="7913975" cy="656655"/>
+          </a:xfrm>
+        </p:spPr>
+        <p:txBody>
+          <a:bodyPr/>
           <a:lstStyle/>
           <a:p>
             <a:r>
-              <a:rPr lang="en-US" sz="2900" spc="-13"/>
-              <a:t>Dataset</a:t>
-            </a:r>
-            <a:endParaRPr lang="en-IN" sz="2900" spc="-13"/>
-          </a:p>
-        </p:txBody>
-      </p:sp>
-      <p:sp>
-        <p:nvSpPr>
-          <p:cNvPr id="5" name="TextBox 4">
+              <a:rPr lang="en-US" dirty="0"/>
+              <a:t>Block Diagram</a:t>
+            </a:r>
+          </a:p>
+        </p:txBody>
+      </p:sp>
+      <p:pic>
+        <p:nvPicPr>
+          <p:cNvPr id="5" name="Picture 4" descr="Diagram&#10;&#10;Description automatically generated">
             <a:extLst>
               <a:ext uri="{FF2B5EF4-FFF2-40B4-BE49-F238E27FC236}">
-                <a16:creationId xmlns:a16="http://schemas.microsoft.com/office/drawing/2014/main" id="{85F2D781-788D-4250-9009-CD9EDA208B42}"/>
+                <a16:creationId xmlns:a16="http://schemas.microsoft.com/office/drawing/2014/main" id="{498B7A06-AB7F-420C-9021-6F9D31530707}"/>
               </a:ext>
             </a:extLst>
           </p:cNvPr>
-          <p:cNvSpPr txBox="1"/>
+          <p:cNvPicPr>
+            <a:picLocks noChangeAspect="1"/>
+          </p:cNvPicPr>
           <p:nvPr/>
-        </p:nvSpPr>
-        <p:spPr>
-          <a:xfrm>
-            <a:off x="694204" y="1045768"/>
-            <a:ext cx="11210370" cy="4401205"/>
+        </p:nvPicPr>
+        <p:blipFill>
+          <a:blip r:embed="rId2">
+            <a:extLst>
+              <a:ext uri="{28A0092B-C50C-407E-A947-70E740481C1C}">
+                <a14:useLocalDpi xmlns:a14="http://schemas.microsoft.com/office/drawing/2010/main" val="0"/>
+              </a:ext>
+            </a:extLst>
+          </a:blip>
+          <a:stretch>
+            <a:fillRect/>
+          </a:stretch>
+        </p:blipFill>
+        <p:spPr>
+          <a:xfrm>
+            <a:off x="1608907" y="886691"/>
+            <a:ext cx="7913975" cy="5971309"/>
           </a:xfrm>
           <a:prstGeom prst="rect">
             <a:avLst/>
           </a:prstGeom>
-          <a:noFill/>
-        </p:spPr>
-        <p:txBody>
-          <a:bodyPr wrap="square" lIns="91440" tIns="45720" rIns="91440" bIns="45720" rtlCol="0" anchor="t">
-            <a:spAutoFit/>
-          </a:bodyPr>
-          <a:lstStyle/>
-          <a:p>
-            <a:pPr marL="514350" indent="-514350" algn="just">
-              <a:buAutoNum type="arabicPeriod"/>
-            </a:pPr>
-            <a:r>
-              <a:rPr lang="en-US" sz="3200" dirty="0">
-                <a:solidFill>
-                  <a:schemeClr val="bg1"/>
-                </a:solidFill>
-                <a:ea typeface="+mn-lt"/>
-                <a:cs typeface="+mn-lt"/>
-              </a:rPr>
-              <a:t>Since the data is generated in real time, the columns of the data to be received are as follows:</a:t>
-            </a:r>
-          </a:p>
-          <a:p>
-            <a:pPr marL="800100" lvl="1" indent="-342900" algn="just">
-              <a:buFont typeface="Arial" panose="020B0604020202020204" pitchFamily="34" charset="0"/>
-              <a:buChar char="•"/>
-            </a:pPr>
-            <a:r>
-              <a:rPr lang="en-US" sz="2400" dirty="0">
-                <a:solidFill>
-                  <a:schemeClr val="bg1"/>
-                </a:solidFill>
-                <a:cs typeface="Calibri"/>
-              </a:rPr>
-              <a:t>Customer ID</a:t>
-            </a:r>
-          </a:p>
-          <a:p>
-            <a:pPr marL="800100" lvl="1" indent="-342900" algn="just">
-              <a:buFont typeface="Arial" panose="020B0604020202020204" pitchFamily="34" charset="0"/>
-              <a:buChar char="•"/>
-            </a:pPr>
-            <a:r>
-              <a:rPr lang="en-US" sz="2400" dirty="0">
-                <a:solidFill>
-                  <a:schemeClr val="bg1"/>
-                </a:solidFill>
-                <a:cs typeface="Calibri"/>
-              </a:rPr>
-              <a:t>Gender</a:t>
-            </a:r>
-          </a:p>
-          <a:p>
-            <a:pPr marL="800100" lvl="1" indent="-342900" algn="just">
-              <a:buFont typeface="Arial" panose="020B0604020202020204" pitchFamily="34" charset="0"/>
-              <a:buChar char="•"/>
-            </a:pPr>
-            <a:r>
-              <a:rPr lang="en-US" sz="2400" dirty="0">
-                <a:solidFill>
-                  <a:schemeClr val="bg1"/>
-                </a:solidFill>
-                <a:cs typeface="Calibri"/>
-              </a:rPr>
-              <a:t>Current Date – The date at which the ride is booked</a:t>
-            </a:r>
-          </a:p>
-          <a:p>
-            <a:pPr marL="800100" lvl="1" indent="-342900" algn="just">
-              <a:buFont typeface="Arial" panose="020B0604020202020204" pitchFamily="34" charset="0"/>
-              <a:buChar char="•"/>
-            </a:pPr>
-            <a:r>
-              <a:rPr lang="en-US" sz="2400" dirty="0">
-                <a:solidFill>
-                  <a:schemeClr val="bg1"/>
-                </a:solidFill>
-                <a:cs typeface="Calibri"/>
-              </a:rPr>
-              <a:t>Current Time – The time at which the ride is booked</a:t>
-            </a:r>
-          </a:p>
-          <a:p>
-            <a:pPr marL="800100" lvl="1" indent="-342900" algn="just">
-              <a:buFont typeface="Arial" panose="020B0604020202020204" pitchFamily="34" charset="0"/>
-              <a:buChar char="•"/>
-            </a:pPr>
-            <a:r>
-              <a:rPr lang="en-US" sz="2400" dirty="0">
-                <a:solidFill>
-                  <a:schemeClr val="bg1"/>
-                </a:solidFill>
-                <a:cs typeface="Calibri"/>
-              </a:rPr>
-              <a:t>Pickup Address – The address for pickup</a:t>
-            </a:r>
-          </a:p>
-          <a:p>
-            <a:pPr marL="800100" lvl="1" indent="-342900" algn="just">
-              <a:buFont typeface="Arial" panose="020B0604020202020204" pitchFamily="34" charset="0"/>
-              <a:buChar char="•"/>
-            </a:pPr>
-            <a:r>
-              <a:rPr lang="en-US" sz="2400" dirty="0">
-                <a:solidFill>
-                  <a:schemeClr val="bg1"/>
-                </a:solidFill>
-                <a:cs typeface="Calibri"/>
-              </a:rPr>
-              <a:t>Pickup Time – The time at which the pickup is expected</a:t>
-            </a:r>
-          </a:p>
-          <a:p>
-            <a:pPr marL="800100" lvl="1" indent="-342900" algn="just">
-              <a:buFont typeface="Arial" panose="020B0604020202020204" pitchFamily="34" charset="0"/>
-              <a:buChar char="•"/>
-            </a:pPr>
-            <a:r>
-              <a:rPr lang="en-US" sz="2400" dirty="0">
-                <a:solidFill>
-                  <a:schemeClr val="bg1"/>
-                </a:solidFill>
-                <a:cs typeface="Calibri"/>
-              </a:rPr>
-              <a:t>Drop Time – Expected drop time</a:t>
-            </a:r>
-          </a:p>
-          <a:p>
-            <a:pPr marL="800100" lvl="1" indent="-342900" algn="just">
-              <a:buFont typeface="Arial" panose="020B0604020202020204" pitchFamily="34" charset="0"/>
-              <a:buChar char="•"/>
-            </a:pPr>
-            <a:r>
-              <a:rPr lang="en-US" sz="2400" dirty="0">
-                <a:solidFill>
-                  <a:schemeClr val="bg1"/>
-                </a:solidFill>
-                <a:cs typeface="Calibri"/>
-              </a:rPr>
-              <a:t>Drop Location – The destination address</a:t>
-            </a:r>
-          </a:p>
-          <a:p>
-            <a:pPr marL="800100" lvl="1" indent="-342900" algn="just">
-              <a:buFont typeface="Arial" panose="020B0604020202020204" pitchFamily="34" charset="0"/>
-              <a:buChar char="•"/>
-            </a:pPr>
-            <a:r>
-              <a:rPr lang="en-US" sz="2400" dirty="0">
-                <a:solidFill>
-                  <a:schemeClr val="bg1"/>
-                </a:solidFill>
-                <a:cs typeface="Calibri"/>
-              </a:rPr>
-              <a:t>Cost – The fare for the trip</a:t>
-            </a:r>
-            <a:endParaRPr lang="en-US" dirty="0">
-              <a:solidFill>
-                <a:schemeClr val="bg1"/>
-              </a:solidFill>
-              <a:cs typeface="Calibri"/>
-            </a:endParaRPr>
-          </a:p>
-        </p:txBody>
-      </p:sp>
+        </p:spPr>
+      </p:pic>
     </p:spTree>
     <p:extLst>
       <p:ext uri="{BB962C8B-B14F-4D97-AF65-F5344CB8AC3E}">
-        <p14:creationId xmlns:p14="http://schemas.microsoft.com/office/powerpoint/2010/main" val="1221527441"/>
+        <p14:creationId xmlns:p14="http://schemas.microsoft.com/office/powerpoint/2010/main" val="1437592966"/>
       </p:ext>
     </p:extLst>
   </p:cSld>
@@ -9181,7 +9532,7 @@
           <p:cNvPr id="2" name="Title 1">
             <a:extLst>
               <a:ext uri="{FF2B5EF4-FFF2-40B4-BE49-F238E27FC236}">
-                <a16:creationId xmlns:a16="http://schemas.microsoft.com/office/drawing/2014/main" id="{D4BAFC11-A8D1-4A51-8F73-D9CB98F0FCF7}"/>
+                <a16:creationId xmlns:a16="http://schemas.microsoft.com/office/drawing/2014/main" id="{E2AF9747-4D26-4648-9A9B-9049632834D8}"/>
               </a:ext>
             </a:extLst>
           </p:cNvPr>
@@ -9192,24 +9543,30 @@
             <p:ph type="title"/>
           </p:nvPr>
         </p:nvSpPr>
-        <p:spPr/>
+        <p:spPr>
+          <a:xfrm>
+            <a:off x="3639127" y="140377"/>
+            <a:ext cx="8245702" cy="656655"/>
+          </a:xfrm>
+        </p:spPr>
         <p:txBody>
           <a:bodyPr/>
           <a:lstStyle/>
           <a:p>
+            <a:pPr algn="just"/>
             <a:r>
               <a:rPr lang="en-US" dirty="0"/>
-              <a:t>Block Diagram</a:t>
+              <a:t>AWS Architecture</a:t>
             </a:r>
           </a:p>
         </p:txBody>
       </p:sp>
       <p:pic>
         <p:nvPicPr>
-          <p:cNvPr id="4" name="Picture 3">
+          <p:cNvPr id="6" name="Picture 5" descr="Graphical user interface, diagram, application, Teams&#10;&#10;Description automatically generated">
             <a:extLst>
               <a:ext uri="{FF2B5EF4-FFF2-40B4-BE49-F238E27FC236}">
-                <a16:creationId xmlns:a16="http://schemas.microsoft.com/office/drawing/2014/main" id="{30CA15EB-50E2-4B60-A2A7-7896179E7103}"/>
+                <a16:creationId xmlns:a16="http://schemas.microsoft.com/office/drawing/2014/main" id="{8D1A85B8-7A00-4D10-98E7-D1AFE642C60E}"/>
               </a:ext>
             </a:extLst>
           </p:cNvPr>
@@ -9218,16 +9575,21 @@
           </p:cNvPicPr>
           <p:nvPr/>
         </p:nvPicPr>
-        <p:blipFill>
-          <a:blip r:embed="rId2"/>
-          <a:stretch>
-            <a:fillRect/>
-          </a:stretch>
+        <p:blipFill rotWithShape="1">
+          <a:blip r:embed="rId2">
+            <a:extLst>
+              <a:ext uri="{28A0092B-C50C-407E-A947-70E740481C1C}">
+                <a14:useLocalDpi xmlns:a14="http://schemas.microsoft.com/office/drawing/2010/main" val="0"/>
+              </a:ext>
+            </a:extLst>
+          </a:blip>
+          <a:srcRect b="8946"/>
+          <a:stretch/>
         </p:blipFill>
         <p:spPr>
           <a:xfrm>
-            <a:off x="895577" y="1189817"/>
-            <a:ext cx="9922984" cy="4913528"/>
+            <a:off x="1601378" y="1201304"/>
+            <a:ext cx="9135317" cy="5227205"/>
           </a:xfrm>
           <a:prstGeom prst="rect">
             <a:avLst/>
@@ -9237,7 +9599,7 @@
     </p:spTree>
     <p:extLst>
       <p:ext uri="{BB962C8B-B14F-4D97-AF65-F5344CB8AC3E}">
-        <p14:creationId xmlns:p14="http://schemas.microsoft.com/office/powerpoint/2010/main" val="1437592966"/>
+        <p14:creationId xmlns:p14="http://schemas.microsoft.com/office/powerpoint/2010/main" val="1045813701"/>
       </p:ext>
     </p:extLst>
   </p:cSld>
@@ -9269,7 +9631,7 @@
           <p:cNvPr id="2" name="Title 1">
             <a:extLst>
               <a:ext uri="{FF2B5EF4-FFF2-40B4-BE49-F238E27FC236}">
-                <a16:creationId xmlns:a16="http://schemas.microsoft.com/office/drawing/2014/main" id="{DFD5FB5F-198E-45C6-A3A8-1273565BF79D}"/>
+                <a16:creationId xmlns:a16="http://schemas.microsoft.com/office/drawing/2014/main" id="{77E10944-5859-4102-B7D3-CEF219F96A19}"/>
               </a:ext>
             </a:extLst>
           </p:cNvPr>
@@ -9277,27 +9639,32 @@
             <a:spLocks noGrp="1"/>
           </p:cNvSpPr>
           <p:nvPr>
-            <p:ph type="title"/>
-          </p:nvPr>
-        </p:nvSpPr>
-        <p:spPr/>
+            <p:ph type="title" idx="4294967295"/>
+          </p:nvPr>
+        </p:nvSpPr>
+        <p:spPr>
+          <a:xfrm>
+            <a:off x="4103688" y="158750"/>
+            <a:ext cx="8088312" cy="657225"/>
+          </a:xfrm>
+        </p:spPr>
         <p:txBody>
           <a:bodyPr/>
           <a:lstStyle/>
           <a:p>
             <a:r>
               <a:rPr lang="en-US" dirty="0"/>
-              <a:t>Log File</a:t>
+              <a:t>Cost Estimate</a:t>
             </a:r>
           </a:p>
         </p:txBody>
       </p:sp>
       <p:pic>
         <p:nvPicPr>
-          <p:cNvPr id="4" name="Picture 3" descr="Text&#10;&#10;Description automatically generated">
+          <p:cNvPr id="5" name="Picture 4" descr="Graphical user interface, application, table&#10;&#10;Description automatically generated">
             <a:extLst>
               <a:ext uri="{FF2B5EF4-FFF2-40B4-BE49-F238E27FC236}">
-                <a16:creationId xmlns:a16="http://schemas.microsoft.com/office/drawing/2014/main" id="{A9EF795C-F6E4-499B-BA9E-13569280B0EE}"/>
+                <a16:creationId xmlns:a16="http://schemas.microsoft.com/office/drawing/2014/main" id="{C0933F39-FF83-4683-B144-63A15EC0635A}"/>
               </a:ext>
             </a:extLst>
           </p:cNvPr>
@@ -9306,7 +9673,7 @@
           </p:cNvPicPr>
           <p:nvPr/>
         </p:nvPicPr>
-        <p:blipFill rotWithShape="1">
+        <p:blipFill>
           <a:blip r:embed="rId2">
             <a:extLst>
               <a:ext uri="{28A0092B-C50C-407E-A947-70E740481C1C}">
@@ -9314,23 +9681,116 @@
               </a:ext>
             </a:extLst>
           </a:blip>
-          <a:srcRect t="18634" b="6024"/>
-          <a:stretch/>
+          <a:stretch>
+            <a:fillRect/>
+          </a:stretch>
         </p:blipFill>
         <p:spPr>
           <a:xfrm>
-            <a:off x="307172" y="1024569"/>
-            <a:ext cx="11884827" cy="5100809"/>
+            <a:off x="0" y="815505"/>
+            <a:ext cx="12192000" cy="4958592"/>
           </a:xfrm>
           <a:prstGeom prst="rect">
             <a:avLst/>
           </a:prstGeom>
         </p:spPr>
       </p:pic>
+      <p:sp>
+        <p:nvSpPr>
+          <p:cNvPr id="10" name="TextBox 9">
+            <a:extLst>
+              <a:ext uri="{FF2B5EF4-FFF2-40B4-BE49-F238E27FC236}">
+                <a16:creationId xmlns:a16="http://schemas.microsoft.com/office/drawing/2014/main" id="{82985D53-4CF2-47D4-93AB-19EBB9DA18FB}"/>
+              </a:ext>
+            </a:extLst>
+          </p:cNvPr>
+          <p:cNvSpPr txBox="1"/>
+          <p:nvPr/>
+        </p:nvSpPr>
+        <p:spPr>
+          <a:xfrm>
+            <a:off x="2429164" y="5857829"/>
+            <a:ext cx="9162472" cy="369332"/>
+          </a:xfrm>
+          <a:prstGeom prst="rect">
+            <a:avLst/>
+          </a:prstGeom>
+          <a:noFill/>
+        </p:spPr>
+        <p:txBody>
+          <a:bodyPr wrap="square">
+            <a:spAutoFit/>
+          </a:bodyPr>
+          <a:lstStyle/>
+          <a:p>
+            <a:r>
+              <a:rPr lang="en-US" b="0" i="0" strike="noStrike" dirty="0">
+                <a:solidFill>
+                  <a:srgbClr val="FF0000"/>
+                </a:solidFill>
+                <a:effectLst/>
+                <a:latin typeface="Segoe UI" panose="020B0502040204020203" pitchFamily="34" charset="0"/>
+                <a:hlinkClick r:id="rId3" tooltip="https://calculator.aws/#/estimate?id=208c1cfd99101089238738ae4f57655d94bf7f3d">
+                  <a:extLst>
+                    <a:ext uri="{A12FA001-AC4F-418D-AE19-62706E023703}">
+                      <ahyp:hlinkClr xmlns:ahyp="http://schemas.microsoft.com/office/drawing/2018/hyperlinkcolor" val="tx"/>
+                    </a:ext>
+                  </a:extLst>
+                </a:hlinkClick>
+              </a:rPr>
+              <a:t>https://calculator.aws/#/estimate?id=208c1cfd99101089238738ae4f57655d94bf7f3d</a:t>
+            </a:r>
+            <a:endParaRPr lang="en-US" dirty="0">
+              <a:solidFill>
+                <a:srgbClr val="FF0000"/>
+              </a:solidFill>
+            </a:endParaRPr>
+          </a:p>
+        </p:txBody>
+      </p:sp>
+      <p:sp>
+        <p:nvSpPr>
+          <p:cNvPr id="11" name="TextBox 10">
+            <a:extLst>
+              <a:ext uri="{FF2B5EF4-FFF2-40B4-BE49-F238E27FC236}">
+                <a16:creationId xmlns:a16="http://schemas.microsoft.com/office/drawing/2014/main" id="{9EB400D5-CFBA-40E5-AC96-37B92BB4DE59}"/>
+              </a:ext>
+            </a:extLst>
+          </p:cNvPr>
+          <p:cNvSpPr txBox="1"/>
+          <p:nvPr/>
+        </p:nvSpPr>
+        <p:spPr>
+          <a:xfrm>
+            <a:off x="422974" y="5857829"/>
+            <a:ext cx="2006190" cy="369332"/>
+          </a:xfrm>
+          <a:prstGeom prst="rect">
+            <a:avLst/>
+          </a:prstGeom>
+          <a:noFill/>
+        </p:spPr>
+        <p:txBody>
+          <a:bodyPr wrap="none" rtlCol="0">
+            <a:spAutoFit/>
+          </a:bodyPr>
+          <a:lstStyle/>
+          <a:p>
+            <a:r>
+              <a:rPr lang="en-US" b="1" u="sng" dirty="0">
+                <a:solidFill>
+                  <a:schemeClr val="bg1"/>
+                </a:solidFill>
+              </a:rPr>
+              <a:t>Price estimate link:</a:t>
+            </a:r>
+          </a:p>
+        </p:txBody>
+      </p:sp>
     </p:spTree>
     <p:extLst>
       <p:ext uri="{BB962C8B-B14F-4D97-AF65-F5344CB8AC3E}">
-        <p14:creationId xmlns:p14="http://schemas.microsoft.com/office/powerpoint/2010/main" val="3207279632"/>
+        <p14:creationId xmlns:p14="http://schemas.microsoft.com/office/powerpoint/2010/main" val="2497670868"/>
       </p:ext>
     </p:extLst>
   </p:cSld>

--- a/AWS_Case_Study_2.pptx
+++ b/AWS_Case_Study_2.pptx
@@ -7,7 +7,7 @@
     <p:sldMasterId id="2147483871" r:id="rId6"/>
   </p:sldMasterIdLst>
   <p:notesMasterIdLst>
-    <p:notesMasterId r:id="rId20"/>
+    <p:notesMasterId r:id="rId23"/>
   </p:notesMasterIdLst>
   <p:sldIdLst>
     <p:sldId id="256" r:id="rId7"/>
@@ -21,8 +21,11 @@
     <p:sldId id="715" r:id="rId15"/>
     <p:sldId id="714" r:id="rId16"/>
     <p:sldId id="712" r:id="rId17"/>
-    <p:sldId id="710" r:id="rId18"/>
-    <p:sldId id="694" r:id="rId19"/>
+    <p:sldId id="716" r:id="rId18"/>
+    <p:sldId id="717" r:id="rId19"/>
+    <p:sldId id="718" r:id="rId20"/>
+    <p:sldId id="710" r:id="rId21"/>
+    <p:sldId id="694" r:id="rId22"/>
   </p:sldIdLst>
   <p:sldSz cx="12192000" cy="6858000"/>
   <p:notesSz cx="6858000" cy="9144000"/>
@@ -8128,6 +8131,402 @@
           <p:cNvPr id="2" name="Title 1">
             <a:extLst>
               <a:ext uri="{FF2B5EF4-FFF2-40B4-BE49-F238E27FC236}">
+                <a16:creationId xmlns:a16="http://schemas.microsoft.com/office/drawing/2014/main" id="{BC0FD649-1353-4EB6-AE5E-7A70C52C5555}"/>
+              </a:ext>
+            </a:extLst>
+          </p:cNvPr>
+          <p:cNvSpPr>
+            <a:spLocks noGrp="1"/>
+          </p:cNvSpPr>
+          <p:nvPr>
+            <p:ph type="title"/>
+          </p:nvPr>
+        </p:nvSpPr>
+        <p:spPr>
+          <a:xfrm>
+            <a:off x="3001819" y="131141"/>
+            <a:ext cx="8134866" cy="656655"/>
+          </a:xfrm>
+        </p:spPr>
+        <p:txBody>
+          <a:bodyPr/>
+          <a:lstStyle/>
+          <a:p>
+            <a:r>
+              <a:rPr lang="en-US" dirty="0"/>
+              <a:t>Implementation flow</a:t>
+            </a:r>
+          </a:p>
+        </p:txBody>
+      </p:sp>
+      <p:sp>
+        <p:nvSpPr>
+          <p:cNvPr id="3" name="TextBox 2">
+            <a:extLst>
+              <a:ext uri="{FF2B5EF4-FFF2-40B4-BE49-F238E27FC236}">
+                <a16:creationId xmlns:a16="http://schemas.microsoft.com/office/drawing/2014/main" id="{69858218-4FB8-4F4E-B618-C9F85125418B}"/>
+              </a:ext>
+            </a:extLst>
+          </p:cNvPr>
+          <p:cNvSpPr txBox="1"/>
+          <p:nvPr/>
+        </p:nvSpPr>
+        <p:spPr>
+          <a:xfrm>
+            <a:off x="249382" y="1154544"/>
+            <a:ext cx="11822545" cy="4100481"/>
+          </a:xfrm>
+          <a:prstGeom prst="rect">
+            <a:avLst/>
+          </a:prstGeom>
+          <a:noFill/>
+        </p:spPr>
+        <p:txBody>
+          <a:bodyPr wrap="square" rtlCol="0">
+            <a:spAutoFit/>
+          </a:bodyPr>
+          <a:lstStyle/>
+          <a:p>
+            <a:pPr>
+              <a:lnSpc>
+                <a:spcPct val="300000"/>
+              </a:lnSpc>
+            </a:pPr>
+            <a:r>
+              <a:rPr lang="en-US" dirty="0">
+                <a:solidFill>
+                  <a:schemeClr val="bg1"/>
+                </a:solidFill>
+              </a:rPr>
+              <a:t>1. Move python script which is generating log files from S3 bucket to EC2 instance.</a:t>
+            </a:r>
+          </a:p>
+          <a:p>
+            <a:pPr>
+              <a:lnSpc>
+                <a:spcPct val="300000"/>
+              </a:lnSpc>
+            </a:pPr>
+            <a:r>
+              <a:rPr lang="en-US" dirty="0">
+                <a:solidFill>
+                  <a:schemeClr val="bg1"/>
+                </a:solidFill>
+              </a:rPr>
+              <a:t>2. Install kinesis agent and then configure </a:t>
+            </a:r>
+            <a:r>
+              <a:rPr lang="en-US" dirty="0" err="1">
+                <a:solidFill>
+                  <a:schemeClr val="bg1"/>
+                </a:solidFill>
+              </a:rPr>
+              <a:t>agent.json</a:t>
+            </a:r>
+            <a:r>
+              <a:rPr lang="en-US" dirty="0">
+                <a:solidFill>
+                  <a:schemeClr val="bg1"/>
+                </a:solidFill>
+              </a:rPr>
+              <a:t>.</a:t>
+            </a:r>
+          </a:p>
+          <a:p>
+            <a:pPr>
+              <a:lnSpc>
+                <a:spcPct val="300000"/>
+              </a:lnSpc>
+            </a:pPr>
+            <a:r>
+              <a:rPr lang="en-US" dirty="0">
+                <a:solidFill>
+                  <a:schemeClr val="bg1"/>
+                </a:solidFill>
+              </a:rPr>
+              <a:t>3. Attach necessary IAM roles with necessary permissions to EC2 (S3readOnly &amp; </a:t>
+            </a:r>
+            <a:r>
+              <a:rPr lang="en-US" dirty="0" err="1">
+                <a:solidFill>
+                  <a:schemeClr val="bg1"/>
+                </a:solidFill>
+              </a:rPr>
+              <a:t>FirehoseWriteOnly</a:t>
+            </a:r>
+            <a:r>
+              <a:rPr lang="en-US" dirty="0">
+                <a:solidFill>
+                  <a:schemeClr val="bg1"/>
+                </a:solidFill>
+              </a:rPr>
+              <a:t>), Kinesis Firehose.</a:t>
+            </a:r>
+          </a:p>
+          <a:p>
+            <a:pPr>
+              <a:lnSpc>
+                <a:spcPct val="300000"/>
+              </a:lnSpc>
+            </a:pPr>
+            <a:r>
+              <a:rPr lang="en-US" dirty="0">
+                <a:solidFill>
+                  <a:schemeClr val="bg1"/>
+                </a:solidFill>
+              </a:rPr>
+              <a:t>4. Execute python script on EC2 to generate log files continuously, simulating live data stream.</a:t>
+            </a:r>
+          </a:p>
+          <a:p>
+            <a:pPr>
+              <a:lnSpc>
+                <a:spcPct val="300000"/>
+              </a:lnSpc>
+            </a:pPr>
+            <a:r>
+              <a:rPr lang="en-US" dirty="0">
+                <a:solidFill>
+                  <a:schemeClr val="bg1"/>
+                </a:solidFill>
+              </a:rPr>
+              <a:t>5. Generated log files transferred to S3 bucket from EC2 via Firehose with the help of kinesis agent.</a:t>
+            </a:r>
+          </a:p>
+        </p:txBody>
+      </p:sp>
+    </p:spTree>
+    <p:extLst>
+      <p:ext uri="{BB962C8B-B14F-4D97-AF65-F5344CB8AC3E}">
+        <p14:creationId xmlns:p14="http://schemas.microsoft.com/office/powerpoint/2010/main" val="2018581167"/>
+      </p:ext>
+    </p:extLst>
+  </p:cSld>
+  <p:clrMapOvr>
+    <a:masterClrMapping/>
+  </p:clrMapOvr>
+</p:sld>
+</file>
+
+<file path=ppt/slides/slide13.xml><?xml version="1.0" encoding="utf-8"?>
+<p:sld xmlns:a="http://schemas.openxmlformats.org/drawingml/2006/main" xmlns:r="http://schemas.openxmlformats.org/officeDocument/2006/relationships" xmlns:p="http://schemas.openxmlformats.org/presentationml/2006/main">
+  <p:cSld>
+    <p:spTree>
+      <p:nvGrpSpPr>
+        <p:cNvPr id="1" name=""/>
+        <p:cNvGrpSpPr/>
+        <p:nvPr/>
+      </p:nvGrpSpPr>
+      <p:grpSpPr>
+        <a:xfrm>
+          <a:off x="0" y="0"/>
+          <a:ext cx="0" cy="0"/>
+          <a:chOff x="0" y="0"/>
+          <a:chExt cx="0" cy="0"/>
+        </a:xfrm>
+      </p:grpSpPr>
+      <p:sp>
+        <p:nvSpPr>
+          <p:cNvPr id="2" name="Title 1">
+            <a:extLst>
+              <a:ext uri="{FF2B5EF4-FFF2-40B4-BE49-F238E27FC236}">
+                <a16:creationId xmlns:a16="http://schemas.microsoft.com/office/drawing/2014/main" id="{E01EA717-48C5-4DB8-AC91-39B96565C197}"/>
+              </a:ext>
+            </a:extLst>
+          </p:cNvPr>
+          <p:cNvSpPr>
+            <a:spLocks noGrp="1"/>
+          </p:cNvSpPr>
+          <p:nvPr>
+            <p:ph type="title"/>
+          </p:nvPr>
+        </p:nvSpPr>
+        <p:spPr>
+          <a:xfrm>
+            <a:off x="4553527" y="140377"/>
+            <a:ext cx="7331302" cy="656655"/>
+          </a:xfrm>
+        </p:spPr>
+        <p:txBody>
+          <a:bodyPr/>
+          <a:lstStyle/>
+          <a:p>
+            <a:r>
+              <a:rPr lang="en-US" dirty="0" err="1"/>
+              <a:t>Agent.json</a:t>
+            </a:r>
+            <a:endParaRPr lang="en-US" dirty="0"/>
+          </a:p>
+        </p:txBody>
+      </p:sp>
+      <p:pic>
+        <p:nvPicPr>
+          <p:cNvPr id="4" name="Picture 3" descr="A screenshot of a computer&#10;&#10;Description automatically generated with medium confidence">
+            <a:extLst>
+              <a:ext uri="{FF2B5EF4-FFF2-40B4-BE49-F238E27FC236}">
+                <a16:creationId xmlns:a16="http://schemas.microsoft.com/office/drawing/2014/main" id="{C65C9C87-74E2-466C-AA66-9C833DEC64D4}"/>
+              </a:ext>
+            </a:extLst>
+          </p:cNvPr>
+          <p:cNvPicPr>
+            <a:picLocks noChangeAspect="1"/>
+          </p:cNvPicPr>
+          <p:nvPr/>
+        </p:nvPicPr>
+        <p:blipFill rotWithShape="1">
+          <a:blip r:embed="rId2">
+            <a:extLst>
+              <a:ext uri="{28A0092B-C50C-407E-A947-70E740481C1C}">
+                <a14:useLocalDpi xmlns:a14="http://schemas.microsoft.com/office/drawing/2010/main" val="0"/>
+              </a:ext>
+            </a:extLst>
+          </a:blip>
+          <a:srcRect b="5801"/>
+          <a:stretch/>
+        </p:blipFill>
+        <p:spPr>
+          <a:xfrm>
+            <a:off x="1653309" y="886691"/>
+            <a:ext cx="9079527" cy="5971309"/>
+          </a:xfrm>
+          <a:prstGeom prst="rect">
+            <a:avLst/>
+          </a:prstGeom>
+        </p:spPr>
+      </p:pic>
+    </p:spTree>
+    <p:extLst>
+      <p:ext uri="{BB962C8B-B14F-4D97-AF65-F5344CB8AC3E}">
+        <p14:creationId xmlns:p14="http://schemas.microsoft.com/office/powerpoint/2010/main" val="4105008646"/>
+      </p:ext>
+    </p:extLst>
+  </p:cSld>
+  <p:clrMapOvr>
+    <a:masterClrMapping/>
+  </p:clrMapOvr>
+</p:sld>
+</file>
+
+<file path=ppt/slides/slide14.xml><?xml version="1.0" encoding="utf-8"?>
+<p:sld xmlns:a="http://schemas.openxmlformats.org/drawingml/2006/main" xmlns:r="http://schemas.openxmlformats.org/officeDocument/2006/relationships" xmlns:p="http://schemas.openxmlformats.org/presentationml/2006/main">
+  <p:cSld>
+    <p:spTree>
+      <p:nvGrpSpPr>
+        <p:cNvPr id="1" name=""/>
+        <p:cNvGrpSpPr/>
+        <p:nvPr/>
+      </p:nvGrpSpPr>
+      <p:grpSpPr>
+        <a:xfrm>
+          <a:off x="0" y="0"/>
+          <a:ext cx="0" cy="0"/>
+          <a:chOff x="0" y="0"/>
+          <a:chExt cx="0" cy="0"/>
+        </a:xfrm>
+      </p:grpSpPr>
+      <p:sp>
+        <p:nvSpPr>
+          <p:cNvPr id="2" name="Title 1">
+            <a:extLst>
+              <a:ext uri="{FF2B5EF4-FFF2-40B4-BE49-F238E27FC236}">
+                <a16:creationId xmlns:a16="http://schemas.microsoft.com/office/drawing/2014/main" id="{BC64D27B-1E24-4200-A9E4-E9FC73A4E667}"/>
+              </a:ext>
+            </a:extLst>
+          </p:cNvPr>
+          <p:cNvSpPr>
+            <a:spLocks noGrp="1"/>
+          </p:cNvSpPr>
+          <p:nvPr>
+            <p:ph type="title"/>
+          </p:nvPr>
+        </p:nvSpPr>
+        <p:spPr>
+          <a:xfrm>
+            <a:off x="4313382" y="140377"/>
+            <a:ext cx="7571447" cy="656655"/>
+          </a:xfrm>
+        </p:spPr>
+        <p:txBody>
+          <a:bodyPr/>
+          <a:lstStyle/>
+          <a:p>
+            <a:r>
+              <a:rPr lang="en-US" dirty="0"/>
+              <a:t>Agent logs</a:t>
+            </a:r>
+          </a:p>
+        </p:txBody>
+      </p:sp>
+      <p:pic>
+        <p:nvPicPr>
+          <p:cNvPr id="4" name="Picture 3" descr="Text&#10;&#10;Description automatically generated">
+            <a:extLst>
+              <a:ext uri="{FF2B5EF4-FFF2-40B4-BE49-F238E27FC236}">
+                <a16:creationId xmlns:a16="http://schemas.microsoft.com/office/drawing/2014/main" id="{D6AB5727-BD04-4E38-ABC2-4C4180AD049F}"/>
+              </a:ext>
+            </a:extLst>
+          </p:cNvPr>
+          <p:cNvPicPr>
+            <a:picLocks noChangeAspect="1"/>
+          </p:cNvPicPr>
+          <p:nvPr/>
+        </p:nvPicPr>
+        <p:blipFill rotWithShape="1">
+          <a:blip r:embed="rId2">
+            <a:extLst>
+              <a:ext uri="{28A0092B-C50C-407E-A947-70E740481C1C}">
+                <a14:useLocalDpi xmlns:a14="http://schemas.microsoft.com/office/drawing/2010/main" val="0"/>
+              </a:ext>
+            </a:extLst>
+          </a:blip>
+          <a:srcRect b="5455"/>
+          <a:stretch/>
+        </p:blipFill>
+        <p:spPr>
+          <a:xfrm>
+            <a:off x="230909" y="886691"/>
+            <a:ext cx="11730182" cy="5301672"/>
+          </a:xfrm>
+          <a:prstGeom prst="rect">
+            <a:avLst/>
+          </a:prstGeom>
+        </p:spPr>
+      </p:pic>
+    </p:spTree>
+    <p:extLst>
+      <p:ext uri="{BB962C8B-B14F-4D97-AF65-F5344CB8AC3E}">
+        <p14:creationId xmlns:p14="http://schemas.microsoft.com/office/powerpoint/2010/main" val="959805825"/>
+      </p:ext>
+    </p:extLst>
+  </p:cSld>
+  <p:clrMapOvr>
+    <a:masterClrMapping/>
+  </p:clrMapOvr>
+</p:sld>
+</file>
+
+<file path=ppt/slides/slide15.xml><?xml version="1.0" encoding="utf-8"?>
+<p:sld xmlns:a="http://schemas.openxmlformats.org/drawingml/2006/main" xmlns:r="http://schemas.openxmlformats.org/officeDocument/2006/relationships" xmlns:p="http://schemas.openxmlformats.org/presentationml/2006/main">
+  <p:cSld>
+    <p:spTree>
+      <p:nvGrpSpPr>
+        <p:cNvPr id="1" name=""/>
+        <p:cNvGrpSpPr/>
+        <p:nvPr/>
+      </p:nvGrpSpPr>
+      <p:grpSpPr>
+        <a:xfrm>
+          <a:off x="0" y="0"/>
+          <a:ext cx="0" cy="0"/>
+          <a:chOff x="0" y="0"/>
+          <a:chExt cx="0" cy="0"/>
+        </a:xfrm>
+      </p:grpSpPr>
+      <p:sp>
+        <p:nvSpPr>
+          <p:cNvPr id="2" name="Title 1">
+            <a:extLst>
+              <a:ext uri="{FF2B5EF4-FFF2-40B4-BE49-F238E27FC236}">
                 <a16:creationId xmlns:a16="http://schemas.microsoft.com/office/drawing/2014/main" id="{DFD5FB5F-198E-45C6-A3A8-1273565BF79D}"/>
               </a:ext>
             </a:extLst>
@@ -8204,7 +8603,7 @@
 </p:sld>
 </file>
 
-<file path=ppt/slides/slide13.xml><?xml version="1.0" encoding="utf-8"?>
+<file path=ppt/slides/slide16.xml><?xml version="1.0" encoding="utf-8"?>
 <p:sld xmlns:a="http://schemas.openxmlformats.org/drawingml/2006/main" xmlns:r="http://schemas.openxmlformats.org/officeDocument/2006/relationships" xmlns:p="http://schemas.openxmlformats.org/presentationml/2006/main">
   <p:cSld>
     <p:spTree>
@@ -10952,12 +11351,6 @@
 </file>
 
 <file path=customXml/item2.xml><?xml version="1.0" encoding="utf-8"?>
-<p:properties xmlns:p="http://schemas.microsoft.com/office/2006/metadata/properties" xmlns:xsi="http://www.w3.org/2001/XMLSchema-instance" xmlns:pc="http://schemas.microsoft.com/office/infopath/2007/PartnerControls">
-  <documentManagement/>
-</p:properties>
-</file>
-
-<file path=customXml/item3.xml><?xml version="1.0" encoding="utf-8"?>
 <ct:contentTypeSchema xmlns:ct="http://schemas.microsoft.com/office/2006/metadata/contentType" xmlns:ma="http://schemas.microsoft.com/office/2006/metadata/properties/metaAttributes" ct:_="" ma:_="" ma:contentTypeName="Document" ma:contentTypeID="0x01010065DE2A5E00E86B4290CB192C3EF7BE15" ma:contentTypeVersion="14" ma:contentTypeDescription="Create a new document." ma:contentTypeScope="" ma:versionID="7c1fb0bd409b632b979ba4f1a2c7680a">
   <xsd:schema xmlns:xsd="http://www.w3.org/2001/XMLSchema" xmlns:xs="http://www.w3.org/2001/XMLSchema" xmlns:p="http://schemas.microsoft.com/office/2006/metadata/properties" xmlns:ns3="80988191-8a4e-4d80-ae64-3da7164900c4" xmlns:ns4="a6c835c0-2fde-44e6-ab42-84c6f93c56ee" targetNamespace="http://schemas.microsoft.com/office/2006/metadata/properties" ma:root="true" ma:fieldsID="38ae397688c12b81d4ef6b7ee83f8bda" ns3:_="" ns4:_="">
     <xsd:import namespace="80988191-8a4e-4d80-ae64-3da7164900c4"/>
@@ -11186,6 +11579,12 @@
 </ct:contentTypeSchema>
 </file>
 
+<file path=customXml/item3.xml><?xml version="1.0" encoding="utf-8"?>
+<p:properties xmlns:p="http://schemas.microsoft.com/office/2006/metadata/properties" xmlns:xsi="http://www.w3.org/2001/XMLSchema-instance" xmlns:pc="http://schemas.microsoft.com/office/infopath/2007/PartnerControls">
+  <documentManagement/>
+</p:properties>
+</file>
+
 <file path=customXml/itemProps1.xml><?xml version="1.0" encoding="utf-8"?>
 <ds:datastoreItem xmlns:ds="http://schemas.openxmlformats.org/officeDocument/2006/customXml" ds:itemID="{AB22554F-EF5C-4E4A-BA99-7288FC7D5DC6}">
   <ds:schemaRefs>
@@ -11195,23 +11594,6 @@
 </file>
 
 <file path=customXml/itemProps2.xml><?xml version="1.0" encoding="utf-8"?>
-<ds:datastoreItem xmlns:ds="http://schemas.openxmlformats.org/officeDocument/2006/customXml" ds:itemID="{35DDED8F-32D9-4FD1-92A4-9103C643837E}">
-  <ds:schemaRefs>
-    <ds:schemaRef ds:uri="http://www.w3.org/XML/1998/namespace"/>
-    <ds:schemaRef ds:uri="http://schemas.microsoft.com/office/2006/metadata/properties"/>
-    <ds:schemaRef ds:uri="http://schemas.openxmlformats.org/package/2006/metadata/core-properties"/>
-    <ds:schemaRef ds:uri="http://purl.org/dc/elements/1.1/"/>
-    <ds:schemaRef ds:uri="http://schemas.microsoft.com/office/2006/documentManagement/types"/>
-    <ds:schemaRef ds:uri="http://purl.org/dc/dcmitype/"/>
-    <ds:schemaRef ds:uri="http://schemas.microsoft.com/office/infopath/2007/PartnerControls"/>
-    <ds:schemaRef ds:uri="80988191-8a4e-4d80-ae64-3da7164900c4"/>
-    <ds:schemaRef ds:uri="http://purl.org/dc/terms/"/>
-    <ds:schemaRef ds:uri="a6c835c0-2fde-44e6-ab42-84c6f93c56ee"/>
-  </ds:schemaRefs>
-</ds:datastoreItem>
-</file>
-
-<file path=customXml/itemProps3.xml><?xml version="1.0" encoding="utf-8"?>
 <ds:datastoreItem xmlns:ds="http://schemas.openxmlformats.org/officeDocument/2006/customXml" ds:itemID="{B56CA16F-DE57-4B0B-91AF-A5EE411202FB}">
   <ds:schemaRefs>
     <ds:schemaRef ds:uri="80988191-8a4e-4d80-ae64-3da7164900c4"/>
@@ -11228,4 +11610,21 @@
     <ds:schemaRef ds:uri="http://www.w3.org/2001/XMLSchema"/>
   </ds:schemaRefs>
 </ds:datastoreItem>
+</file>
+
+<file path=customXml/itemProps3.xml><?xml version="1.0" encoding="utf-8"?>
+<ds:datastoreItem xmlns:ds="http://schemas.openxmlformats.org/officeDocument/2006/customXml" ds:itemID="{35DDED8F-32D9-4FD1-92A4-9103C643837E}">
+  <ds:schemaRefs>
+    <ds:schemaRef ds:uri="http://www.w3.org/XML/1998/namespace"/>
+    <ds:schemaRef ds:uri="http://schemas.microsoft.com/office/2006/metadata/properties"/>
+    <ds:schemaRef ds:uri="http://schemas.openxmlformats.org/package/2006/metadata/core-properties"/>
+    <ds:schemaRef ds:uri="http://purl.org/dc/elements/1.1/"/>
+    <ds:schemaRef ds:uri="http://schemas.microsoft.com/office/2006/documentManagement/types"/>
+    <ds:schemaRef ds:uri="http://purl.org/dc/dcmitype/"/>
+    <ds:schemaRef ds:uri="http://schemas.microsoft.com/office/infopath/2007/PartnerControls"/>
+    <ds:schemaRef ds:uri="80988191-8a4e-4d80-ae64-3da7164900c4"/>
+    <ds:schemaRef ds:uri="http://purl.org/dc/terms/"/>
+    <ds:schemaRef ds:uri="a6c835c0-2fde-44e6-ab42-84c6f93c56ee"/>
+  </ds:schemaRefs>
+</ds:datastoreItem>
 </file>
--- a/AWS_Case_Study_2.pptx
+++ b/AWS_Case_Study_2.pptx
@@ -214,7 +214,7 @@
           <a:p>
             <a:fld id="{2E33A644-E249-4987-8102-EA5133B71462}" type="datetimeFigureOut">
               <a:rPr lang="en-US" smtClean="0"/>
-              <a:t>3/30/2022</a:t>
+              <a:t>4/1/2022</a:t>
             </a:fld>
             <a:endParaRPr lang="en-US"/>
           </a:p>
@@ -610,7 +610,7 @@
           <a:p>
             <a:fld id="{99867D44-512F-45BC-8B1E-1E3D3E676087}" type="datetimeFigureOut">
               <a:rPr lang="en-IN" smtClean="0"/>
-              <a:t>30-03-2022</a:t>
+              <a:t>01-04-2022</a:t>
             </a:fld>
             <a:endParaRPr lang="en-IN"/>
           </a:p>
@@ -778,7 +778,7 @@
           <a:p>
             <a:fld id="{99867D44-512F-45BC-8B1E-1E3D3E676087}" type="datetimeFigureOut">
               <a:rPr lang="en-IN" smtClean="0"/>
-              <a:t>30-03-2022</a:t>
+              <a:t>01-04-2022</a:t>
             </a:fld>
             <a:endParaRPr lang="en-IN"/>
           </a:p>
@@ -956,7 +956,7 @@
           <a:p>
             <a:fld id="{99867D44-512F-45BC-8B1E-1E3D3E676087}" type="datetimeFigureOut">
               <a:rPr lang="en-IN" smtClean="0"/>
-              <a:t>30-03-2022</a:t>
+              <a:t>01-04-2022</a:t>
             </a:fld>
             <a:endParaRPr lang="en-IN"/>
           </a:p>
@@ -1280,7 +1280,7 @@
           <a:p>
             <a:fld id="{1D8BD707-D9CF-40AE-B4C6-C98DA3205C09}" type="datetimeFigureOut">
               <a:rPr lang="en-US"/>
-              <a:t>3/30/2022</a:t>
+              <a:t>4/1/2022</a:t>
             </a:fld>
             <a:endParaRPr lang="en-US"/>
           </a:p>
@@ -1690,7 +1690,7 @@
           <a:p>
             <a:fld id="{1D8BD707-D9CF-40AE-B4C6-C98DA3205C09}" type="datetimeFigureOut">
               <a:rPr lang="en-US"/>
-              <a:t>3/30/2022</a:t>
+              <a:t>4/1/2022</a:t>
             </a:fld>
             <a:endParaRPr lang="en-US"/>
           </a:p>
@@ -1955,7 +1955,7 @@
           <a:p>
             <a:fld id="{1D8BD707-D9CF-40AE-B4C6-C98DA3205C09}" type="datetimeFigureOut">
               <a:rPr lang="en-US"/>
-              <a:t>3/30/2022</a:t>
+              <a:t>4/1/2022</a:t>
             </a:fld>
             <a:endParaRPr lang="en-US"/>
           </a:p>
@@ -2323,7 +2323,7 @@
           <a:p>
             <a:fld id="{1D8BD707-D9CF-40AE-B4C6-C98DA3205C09}" type="datetimeFigureOut">
               <a:rPr lang="en-US"/>
-              <a:t>3/30/2022</a:t>
+              <a:t>4/1/2022</a:t>
             </a:fld>
             <a:endParaRPr lang="en-US"/>
           </a:p>
@@ -2667,7 +2667,7 @@
           <a:p>
             <a:fld id="{1D8BD707-D9CF-40AE-B4C6-C98DA3205C09}" type="datetimeFigureOut">
               <a:rPr lang="en-US"/>
-              <a:t>3/30/2022</a:t>
+              <a:t>4/1/2022</a:t>
             </a:fld>
             <a:endParaRPr lang="en-US"/>
           </a:p>
@@ -2806,7 +2806,7 @@
           <a:p>
             <a:fld id="{1D8BD707-D9CF-40AE-B4C6-C98DA3205C09}" type="datetimeFigureOut">
               <a:rPr lang="en-US"/>
-              <a:t>3/30/2022</a:t>
+              <a:t>4/1/2022</a:t>
             </a:fld>
             <a:endParaRPr lang="en-US"/>
           </a:p>
@@ -3135,7 +3135,7 @@
           <a:p>
             <a:fld id="{1D8BD707-D9CF-40AE-B4C6-C98DA3205C09}" type="datetimeFigureOut">
               <a:rPr lang="en-US"/>
-              <a:t>3/30/2022</a:t>
+              <a:t>4/1/2022</a:t>
             </a:fld>
             <a:endParaRPr lang="en-US"/>
           </a:p>
@@ -3308,7 +3308,7 @@
           <a:p>
             <a:fld id="{99867D44-512F-45BC-8B1E-1E3D3E676087}" type="datetimeFigureOut">
               <a:rPr lang="en-IN" smtClean="0"/>
-              <a:t>30-03-2022</a:t>
+              <a:t>01-04-2022</a:t>
             </a:fld>
             <a:endParaRPr lang="en-IN"/>
           </a:p>
@@ -3744,7 +3744,7 @@
           <a:p>
             <a:fld id="{1D8BD707-D9CF-40AE-B4C6-C98DA3205C09}" type="datetimeFigureOut">
               <a:rPr lang="en-US"/>
-              <a:t>3/30/2022</a:t>
+              <a:t>4/1/2022</a:t>
             </a:fld>
             <a:endParaRPr lang="en-US"/>
           </a:p>
@@ -4112,7 +4112,7 @@
           <a:p>
             <a:fld id="{1D8BD707-D9CF-40AE-B4C6-C98DA3205C09}" type="datetimeFigureOut">
               <a:rPr lang="en-US"/>
-              <a:t>3/30/2022</a:t>
+              <a:t>4/1/2022</a:t>
             </a:fld>
             <a:endParaRPr lang="en-US"/>
           </a:p>
@@ -4456,7 +4456,7 @@
           <a:p>
             <a:fld id="{1D8BD707-D9CF-40AE-B4C6-C98DA3205C09}" type="datetimeFigureOut">
               <a:rPr lang="en-US"/>
-              <a:t>3/30/2022</a:t>
+              <a:t>4/1/2022</a:t>
             </a:fld>
             <a:endParaRPr lang="en-US"/>
           </a:p>
@@ -4595,7 +4595,7 @@
           <a:p>
             <a:fld id="{1D8BD707-D9CF-40AE-B4C6-C98DA3205C09}" type="datetimeFigureOut">
               <a:rPr lang="en-US"/>
-              <a:t>3/30/2022</a:t>
+              <a:t>4/1/2022</a:t>
             </a:fld>
             <a:endParaRPr lang="en-US"/>
           </a:p>
@@ -4845,7 +4845,7 @@
           <a:p>
             <a:fld id="{99867D44-512F-45BC-8B1E-1E3D3E676087}" type="datetimeFigureOut">
               <a:rPr lang="en-IN" smtClean="0"/>
-              <a:t>30-03-2022</a:t>
+              <a:t>01-04-2022</a:t>
             </a:fld>
             <a:endParaRPr lang="en-IN"/>
           </a:p>
@@ -5074,7 +5074,7 @@
           <a:p>
             <a:fld id="{99867D44-512F-45BC-8B1E-1E3D3E676087}" type="datetimeFigureOut">
               <a:rPr lang="en-IN" smtClean="0"/>
-              <a:t>30-03-2022</a:t>
+              <a:t>01-04-2022</a:t>
             </a:fld>
             <a:endParaRPr lang="en-IN"/>
           </a:p>
@@ -5438,7 +5438,7 @@
           <a:p>
             <a:fld id="{99867D44-512F-45BC-8B1E-1E3D3E676087}" type="datetimeFigureOut">
               <a:rPr lang="en-IN" smtClean="0"/>
-              <a:t>30-03-2022</a:t>
+              <a:t>01-04-2022</a:t>
             </a:fld>
             <a:endParaRPr lang="en-IN"/>
           </a:p>
@@ -5555,7 +5555,7 @@
           <a:p>
             <a:fld id="{99867D44-512F-45BC-8B1E-1E3D3E676087}" type="datetimeFigureOut">
               <a:rPr lang="en-IN" smtClean="0"/>
-              <a:t>30-03-2022</a:t>
+              <a:t>01-04-2022</a:t>
             </a:fld>
             <a:endParaRPr lang="en-IN"/>
           </a:p>
@@ -5650,7 +5650,7 @@
           <a:p>
             <a:fld id="{99867D44-512F-45BC-8B1E-1E3D3E676087}" type="datetimeFigureOut">
               <a:rPr lang="en-IN" smtClean="0"/>
-              <a:t>30-03-2022</a:t>
+              <a:t>01-04-2022</a:t>
             </a:fld>
             <a:endParaRPr lang="en-IN"/>
           </a:p>
@@ -5925,7 +5925,7 @@
           <a:p>
             <a:fld id="{99867D44-512F-45BC-8B1E-1E3D3E676087}" type="datetimeFigureOut">
               <a:rPr lang="en-IN" smtClean="0"/>
-              <a:t>30-03-2022</a:t>
+              <a:t>01-04-2022</a:t>
             </a:fld>
             <a:endParaRPr lang="en-IN"/>
           </a:p>
@@ -6180,7 +6180,7 @@
           <a:p>
             <a:fld id="{99867D44-512F-45BC-8B1E-1E3D3E676087}" type="datetimeFigureOut">
               <a:rPr lang="en-IN" smtClean="0"/>
-              <a:t>30-03-2022</a:t>
+              <a:t>01-04-2022</a:t>
             </a:fld>
             <a:endParaRPr lang="en-IN"/>
           </a:p>
@@ -6391,7 +6391,7 @@
           <a:p>
             <a:fld id="{99867D44-512F-45BC-8B1E-1E3D3E676087}" type="datetimeFigureOut">
               <a:rPr lang="en-IN" smtClean="0"/>
-              <a:t>30-03-2022</a:t>
+              <a:t>01-04-2022</a:t>
             </a:fld>
             <a:endParaRPr lang="en-IN"/>
           </a:p>
@@ -7039,7 +7039,7 @@
           <a:p>
             <a:fld id="{1D8BD707-D9CF-40AE-B4C6-C98DA3205C09}" type="datetimeFigureOut">
               <a:rPr lang="en-US"/>
-              <a:t>3/30/2022</a:t>
+              <a:t>4/1/2022</a:t>
             </a:fld>
             <a:endParaRPr lang="en-US"/>
           </a:p>
@@ -7519,7 +7519,7 @@
           <a:p>
             <a:fld id="{1D8BD707-D9CF-40AE-B4C6-C98DA3205C09}" type="datetimeFigureOut">
               <a:rPr lang="en-US"/>
-              <a:t>3/30/2022</a:t>
+              <a:t>4/1/2022</a:t>
             </a:fld>
             <a:endParaRPr lang="en-US"/>
           </a:p>
@@ -9862,10 +9862,10 @@
       </p:sp>
       <p:pic>
         <p:nvPicPr>
-          <p:cNvPr id="5" name="Picture 4" descr="Diagram&#10;&#10;Description automatically generated">
+          <p:cNvPr id="7" name="Picture 6" descr="Diagram&#10;&#10;Description automatically generated">
             <a:extLst>
               <a:ext uri="{FF2B5EF4-FFF2-40B4-BE49-F238E27FC236}">
-                <a16:creationId xmlns:a16="http://schemas.microsoft.com/office/drawing/2014/main" id="{498B7A06-AB7F-420C-9021-6F9D31530707}"/>
+                <a16:creationId xmlns:a16="http://schemas.microsoft.com/office/drawing/2014/main" id="{056E5B89-CDA1-446F-B697-6FC2F4DB7333}"/>
               </a:ext>
             </a:extLst>
           </p:cNvPr>
@@ -9888,8 +9888,8 @@
         </p:blipFill>
         <p:spPr>
           <a:xfrm>
-            <a:off x="1608907" y="886691"/>
-            <a:ext cx="7913975" cy="5971309"/>
+            <a:off x="1158650" y="877455"/>
+            <a:ext cx="9635323" cy="5980545"/>
           </a:xfrm>
           <a:prstGeom prst="rect">
             <a:avLst/>
@@ -9962,10 +9962,10 @@
       </p:sp>
       <p:pic>
         <p:nvPicPr>
-          <p:cNvPr id="6" name="Picture 5" descr="Graphical user interface, diagram, application, Teams&#10;&#10;Description automatically generated">
+          <p:cNvPr id="4" name="Picture 3" descr="Diagram&#10;&#10;Description automatically generated">
             <a:extLst>
               <a:ext uri="{FF2B5EF4-FFF2-40B4-BE49-F238E27FC236}">
-                <a16:creationId xmlns:a16="http://schemas.microsoft.com/office/drawing/2014/main" id="{8D1A85B8-7A00-4D10-98E7-D1AFE642C60E}"/>
+                <a16:creationId xmlns:a16="http://schemas.microsoft.com/office/drawing/2014/main" id="{2121C1A3-0360-4224-A0FF-2504494102C3}"/>
               </a:ext>
             </a:extLst>
           </p:cNvPr>
@@ -9974,7 +9974,7 @@
           </p:cNvPicPr>
           <p:nvPr/>
         </p:nvPicPr>
-        <p:blipFill rotWithShape="1">
+        <p:blipFill>
           <a:blip r:embed="rId2">
             <a:extLst>
               <a:ext uri="{28A0092B-C50C-407E-A947-70E740481C1C}">
@@ -9982,13 +9982,14 @@
               </a:ext>
             </a:extLst>
           </a:blip>
-          <a:srcRect b="8946"/>
-          <a:stretch/>
+          <a:stretch>
+            <a:fillRect/>
+          </a:stretch>
         </p:blipFill>
         <p:spPr>
           <a:xfrm>
-            <a:off x="1601378" y="1201304"/>
-            <a:ext cx="9135317" cy="5227205"/>
+            <a:off x="1747688" y="868218"/>
+            <a:ext cx="8513615" cy="5989782"/>
           </a:xfrm>
           <a:prstGeom prst="rect">
             <a:avLst/>
@@ -10058,42 +10059,6 @@
           </a:p>
         </p:txBody>
       </p:sp>
-      <p:pic>
-        <p:nvPicPr>
-          <p:cNvPr id="5" name="Picture 4" descr="Graphical user interface, application, table&#10;&#10;Description automatically generated">
-            <a:extLst>
-              <a:ext uri="{FF2B5EF4-FFF2-40B4-BE49-F238E27FC236}">
-                <a16:creationId xmlns:a16="http://schemas.microsoft.com/office/drawing/2014/main" id="{C0933F39-FF83-4683-B144-63A15EC0635A}"/>
-              </a:ext>
-            </a:extLst>
-          </p:cNvPr>
-          <p:cNvPicPr>
-            <a:picLocks noChangeAspect="1"/>
-          </p:cNvPicPr>
-          <p:nvPr/>
-        </p:nvPicPr>
-        <p:blipFill>
-          <a:blip r:embed="rId2">
-            <a:extLst>
-              <a:ext uri="{28A0092B-C50C-407E-A947-70E740481C1C}">
-                <a14:useLocalDpi xmlns:a14="http://schemas.microsoft.com/office/drawing/2010/main" val="0"/>
-              </a:ext>
-            </a:extLst>
-          </a:blip>
-          <a:stretch>
-            <a:fillRect/>
-          </a:stretch>
-        </p:blipFill>
-        <p:spPr>
-          <a:xfrm>
-            <a:off x="0" y="815505"/>
-            <a:ext cx="12192000" cy="4958592"/>
-          </a:xfrm>
-          <a:prstGeom prst="rect">
-            <a:avLst/>
-          </a:prstGeom>
-        </p:spPr>
-      </p:pic>
       <p:sp>
         <p:nvSpPr>
           <p:cNvPr id="10" name="TextBox 9">
@@ -10123,21 +10088,14 @@
           <a:lstStyle/>
           <a:p>
             <a:r>
-              <a:rPr lang="en-US" b="0" i="0" strike="noStrike" dirty="0">
+              <a:rPr lang="en-US" b="0" i="0" dirty="0">
                 <a:solidFill>
                   <a:srgbClr val="FF0000"/>
                 </a:solidFill>
                 <a:effectLst/>
-                <a:latin typeface="Segoe UI" panose="020B0502040204020203" pitchFamily="34" charset="0"/>
-                <a:hlinkClick r:id="rId3" tooltip="https://calculator.aws/#/estimate?id=208c1cfd99101089238738ae4f57655d94bf7f3d">
-                  <a:extLst>
-                    <a:ext uri="{A12FA001-AC4F-418D-AE19-62706E023703}">
-                      <ahyp:hlinkClr xmlns:ahyp="http://schemas.microsoft.com/office/drawing/2018/hyperlinkcolor" val="tx"/>
-                    </a:ext>
-                  </a:extLst>
-                </a:hlinkClick>
+                <a:latin typeface="Times New Roman" panose="02020603050405020304" pitchFamily="18" charset="0"/>
               </a:rPr>
-              <a:t>https://calculator.aws/#/estimate?id=208c1cfd99101089238738ae4f57655d94bf7f3d</a:t>
+              <a:t>https://calculator.aws/#/estimate?id=4917df07c74d74921933cf270b6e538e6fc68d2d</a:t>
             </a:r>
             <a:endParaRPr lang="en-US" dirty="0">
               <a:solidFill>
@@ -11342,142 +11300,24 @@
 </file>
 
 <file path=customXml/item1.xml><?xml version="1.0" encoding="utf-8"?>
-<?mso-contentType ?>
-<FormTemplates xmlns="http://schemas.microsoft.com/sharepoint/v3/contenttype/forms">
-  <Display>DocumentLibraryForm</Display>
-  <Edit>DocumentLibraryForm</Edit>
-  <New>DocumentLibraryForm</New>
-</FormTemplates>
+<p:properties xmlns:p="http://schemas.microsoft.com/office/2006/metadata/properties" xmlns:xsi="http://www.w3.org/2001/XMLSchema-instance" xmlns:pc="http://schemas.microsoft.com/office/infopath/2007/PartnerControls">
+  <documentManagement/>
+</p:properties>
 </file>
 
 <file path=customXml/item2.xml><?xml version="1.0" encoding="utf-8"?>
-<ct:contentTypeSchema xmlns:ct="http://schemas.microsoft.com/office/2006/metadata/contentType" xmlns:ma="http://schemas.microsoft.com/office/2006/metadata/properties/metaAttributes" ct:_="" ma:_="" ma:contentTypeName="Document" ma:contentTypeID="0x01010065DE2A5E00E86B4290CB192C3EF7BE15" ma:contentTypeVersion="14" ma:contentTypeDescription="Create a new document." ma:contentTypeScope="" ma:versionID="7c1fb0bd409b632b979ba4f1a2c7680a">
-  <xsd:schema xmlns:xsd="http://www.w3.org/2001/XMLSchema" xmlns:xs="http://www.w3.org/2001/XMLSchema" xmlns:p="http://schemas.microsoft.com/office/2006/metadata/properties" xmlns:ns3="80988191-8a4e-4d80-ae64-3da7164900c4" xmlns:ns4="a6c835c0-2fde-44e6-ab42-84c6f93c56ee" targetNamespace="http://schemas.microsoft.com/office/2006/metadata/properties" ma:root="true" ma:fieldsID="38ae397688c12b81d4ef6b7ee83f8bda" ns3:_="" ns4:_="">
-    <xsd:import namespace="80988191-8a4e-4d80-ae64-3da7164900c4"/>
-    <xsd:import namespace="a6c835c0-2fde-44e6-ab42-84c6f93c56ee"/>
+<ct:contentTypeSchema xmlns:ct="http://schemas.microsoft.com/office/2006/metadata/contentType" xmlns:ma="http://schemas.microsoft.com/office/2006/metadata/properties/metaAttributes" ct:_="" ma:_="" ma:contentTypeName="Document" ma:contentTypeID="0x010100CDADACCA17EAE54C8136AAA36169B09C" ma:contentTypeVersion="0" ma:contentTypeDescription="Create a new document." ma:contentTypeScope="" ma:versionID="35152e94e7df9c19f94f40cc6164149d">
+  <xsd:schema xmlns:xsd="http://www.w3.org/2001/XMLSchema" xmlns:xs="http://www.w3.org/2001/XMLSchema" xmlns:p="http://schemas.microsoft.com/office/2006/metadata/properties" targetNamespace="http://schemas.microsoft.com/office/2006/metadata/properties" ma:root="true" ma:fieldsID="60daa9c6619a92eda99ef15cd472f1da">
     <xsd:element name="properties">
       <xsd:complexType>
         <xsd:sequence>
           <xsd:element name="documentManagement">
             <xsd:complexType>
-              <xsd:all>
-                <xsd:element ref="ns3:MediaServiceMetadata" minOccurs="0"/>
-                <xsd:element ref="ns3:MediaServiceFastMetadata" minOccurs="0"/>
-                <xsd:element ref="ns4:SharedWithUsers" minOccurs="0"/>
-                <xsd:element ref="ns4:SharedWithDetails" minOccurs="0"/>
-                <xsd:element ref="ns4:SharingHintHash" minOccurs="0"/>
-                <xsd:element ref="ns3:MediaServiceAutoTags" minOccurs="0"/>
-                <xsd:element ref="ns3:MediaServiceOCR" minOccurs="0"/>
-                <xsd:element ref="ns3:MediaServiceGenerationTime" minOccurs="0"/>
-                <xsd:element ref="ns3:MediaServiceEventHashCode" minOccurs="0"/>
-                <xsd:element ref="ns3:MediaServiceDateTaken" minOccurs="0"/>
-                <xsd:element ref="ns3:MediaServiceAutoKeyPoints" minOccurs="0"/>
-                <xsd:element ref="ns3:MediaServiceKeyPoints" minOccurs="0"/>
-                <xsd:element ref="ns3:MediaServiceLocation" minOccurs="0"/>
-                <xsd:element ref="ns3:MediaLengthInSeconds" minOccurs="0"/>
-              </xsd:all>
+              <xsd:all/>
             </xsd:complexType>
           </xsd:element>
         </xsd:sequence>
       </xsd:complexType>
-    </xsd:element>
-  </xsd:schema>
-  <xsd:schema xmlns:xsd="http://www.w3.org/2001/XMLSchema" xmlns:xs="http://www.w3.org/2001/XMLSchema" xmlns:dms="http://schemas.microsoft.com/office/2006/documentManagement/types" xmlns:pc="http://schemas.microsoft.com/office/infopath/2007/PartnerControls" targetNamespace="80988191-8a4e-4d80-ae64-3da7164900c4" elementFormDefault="qualified">
-    <xsd:import namespace="http://schemas.microsoft.com/office/2006/documentManagement/types"/>
-    <xsd:import namespace="http://schemas.microsoft.com/office/infopath/2007/PartnerControls"/>
-    <xsd:element name="MediaServiceMetadata" ma:index="8" nillable="true" ma:displayName="MediaServiceMetadata" ma:hidden="true" ma:internalName="MediaServiceMetadata" ma:readOnly="true">
-      <xsd:simpleType>
-        <xsd:restriction base="dms:Note"/>
-      </xsd:simpleType>
-    </xsd:element>
-    <xsd:element name="MediaServiceFastMetadata" ma:index="9" nillable="true" ma:displayName="MediaServiceFastMetadata" ma:hidden="true" ma:internalName="MediaServiceFastMetadata" ma:readOnly="true">
-      <xsd:simpleType>
-        <xsd:restriction base="dms:Note"/>
-      </xsd:simpleType>
-    </xsd:element>
-    <xsd:element name="MediaServiceAutoTags" ma:index="13" nillable="true" ma:displayName="MediaServiceAutoTags" ma:internalName="MediaServiceAutoTags" ma:readOnly="true">
-      <xsd:simpleType>
-        <xsd:restriction base="dms:Text"/>
-      </xsd:simpleType>
-    </xsd:element>
-    <xsd:element name="MediaServiceOCR" ma:index="14" nillable="true" ma:displayName="MediaServiceOCR" ma:internalName="MediaServiceOCR" ma:readOnly="true">
-      <xsd:simpleType>
-        <xsd:restriction base="dms:Note">
-          <xsd:maxLength value="255"/>
-        </xsd:restriction>
-      </xsd:simpleType>
-    </xsd:element>
-    <xsd:element name="MediaServiceGenerationTime" ma:index="15" nillable="true" ma:displayName="MediaServiceGenerationTime" ma:hidden="true" ma:internalName="MediaServiceGenerationTime" ma:readOnly="true">
-      <xsd:simpleType>
-        <xsd:restriction base="dms:Text"/>
-      </xsd:simpleType>
-    </xsd:element>
-    <xsd:element name="MediaServiceEventHashCode" ma:index="16" nillable="true" ma:displayName="MediaServiceEventHashCode" ma:hidden="true" ma:internalName="MediaServiceEventHashCode" ma:readOnly="true">
-      <xsd:simpleType>
-        <xsd:restriction base="dms:Text"/>
-      </xsd:simpleType>
-    </xsd:element>
-    <xsd:element name="MediaServiceDateTaken" ma:index="17" nillable="true" ma:displayName="MediaServiceDateTaken" ma:hidden="true" ma:internalName="MediaServiceDateTaken" ma:readOnly="true">
-      <xsd:simpleType>
-        <xsd:restriction base="dms:Text"/>
-      </xsd:simpleType>
-    </xsd:element>
-    <xsd:element name="MediaServiceAutoKeyPoints" ma:index="18" nillable="true" ma:displayName="MediaServiceAutoKeyPoints" ma:hidden="true" ma:internalName="MediaServiceAutoKeyPoints" ma:readOnly="true">
-      <xsd:simpleType>
-        <xsd:restriction base="dms:Note"/>
-      </xsd:simpleType>
-    </xsd:element>
-    <xsd:element name="MediaServiceKeyPoints" ma:index="19" nillable="true" ma:displayName="KeyPoints" ma:internalName="MediaServiceKeyPoints" ma:readOnly="true">
-      <xsd:simpleType>
-        <xsd:restriction base="dms:Note">
-          <xsd:maxLength value="255"/>
-        </xsd:restriction>
-      </xsd:simpleType>
-    </xsd:element>
-    <xsd:element name="MediaServiceLocation" ma:index="20" nillable="true" ma:displayName="Location" ma:internalName="MediaServiceLocation" ma:readOnly="true">
-      <xsd:simpleType>
-        <xsd:restriction base="dms:Text"/>
-      </xsd:simpleType>
-    </xsd:element>
-    <xsd:element name="MediaLengthInSeconds" ma:index="21" nillable="true" ma:displayName="Length (seconds)" ma:internalName="MediaLengthInSeconds" ma:readOnly="true">
-      <xsd:simpleType>
-        <xsd:restriction base="dms:Unknown"/>
-      </xsd:simpleType>
-    </xsd:element>
-  </xsd:schema>
-  <xsd:schema xmlns:xsd="http://www.w3.org/2001/XMLSchema" xmlns:xs="http://www.w3.org/2001/XMLSchema" xmlns:dms="http://schemas.microsoft.com/office/2006/documentManagement/types" xmlns:pc="http://schemas.microsoft.com/office/infopath/2007/PartnerControls" targetNamespace="a6c835c0-2fde-44e6-ab42-84c6f93c56ee" elementFormDefault="qualified">
-    <xsd:import namespace="http://schemas.microsoft.com/office/2006/documentManagement/types"/>
-    <xsd:import namespace="http://schemas.microsoft.com/office/infopath/2007/PartnerControls"/>
-    <xsd:element name="SharedWithUsers" ma:index="10" nillable="true" ma:displayName="Shared With" ma:internalName="SharedWithUsers" ma:readOnly="true">
-      <xsd:complexType>
-        <xsd:complexContent>
-          <xsd:extension base="dms:UserMulti">
-            <xsd:sequence>
-              <xsd:element name="UserInfo" minOccurs="0" maxOccurs="unbounded">
-                <xsd:complexType>
-                  <xsd:sequence>
-                    <xsd:element name="DisplayName" type="xsd:string" minOccurs="0"/>
-                    <xsd:element name="AccountId" type="dms:UserId" minOccurs="0" nillable="true"/>
-                    <xsd:element name="AccountType" type="xsd:string" minOccurs="0"/>
-                  </xsd:sequence>
-                </xsd:complexType>
-              </xsd:element>
-            </xsd:sequence>
-          </xsd:extension>
-        </xsd:complexContent>
-      </xsd:complexType>
-    </xsd:element>
-    <xsd:element name="SharedWithDetails" ma:index="11" nillable="true" ma:displayName="Shared With Details" ma:internalName="SharedWithDetails" ma:readOnly="true">
-      <xsd:simpleType>
-        <xsd:restriction base="dms:Note">
-          <xsd:maxLength value="255"/>
-        </xsd:restriction>
-      </xsd:simpleType>
-    </xsd:element>
-    <xsd:element name="SharingHintHash" ma:index="12" nillable="true" ma:displayName="Sharing Hint Hash" ma:hidden="true" ma:internalName="SharingHintHash" ma:readOnly="true">
-      <xsd:simpleType>
-        <xsd:restriction base="dms:Text"/>
-      </xsd:simpleType>
     </xsd:element>
   </xsd:schema>
   <xsd:schema xmlns="http://schemas.openxmlformats.org/package/2006/metadata/core-properties" xmlns:xsd="http://www.w3.org/2001/XMLSchema" xmlns:xsi="http://www.w3.org/2001/XMLSchema-instance" xmlns:dc="http://purl.org/dc/elements/1.1/" xmlns:dcterms="http://purl.org/dc/terms/" xmlns:odoc="http://schemas.microsoft.com/internal/obd" targetNamespace="http://schemas.openxmlformats.org/package/2006/metadata/core-properties" elementFormDefault="qualified" attributeFormDefault="unqualified" blockDefault="#all">
@@ -11580,39 +11420,15 @@
 </file>
 
 <file path=customXml/item3.xml><?xml version="1.0" encoding="utf-8"?>
-<p:properties xmlns:p="http://schemas.microsoft.com/office/2006/metadata/properties" xmlns:xsi="http://www.w3.org/2001/XMLSchema-instance" xmlns:pc="http://schemas.microsoft.com/office/infopath/2007/PartnerControls">
-  <documentManagement/>
-</p:properties>
+<?mso-contentType ?>
+<FormTemplates xmlns="http://schemas.microsoft.com/sharepoint/v3/contenttype/forms">
+  <Display>DocumentLibraryForm</Display>
+  <Edit>DocumentLibraryForm</Edit>
+  <New>DocumentLibraryForm</New>
+</FormTemplates>
 </file>
 
 <file path=customXml/itemProps1.xml><?xml version="1.0" encoding="utf-8"?>
-<ds:datastoreItem xmlns:ds="http://schemas.openxmlformats.org/officeDocument/2006/customXml" ds:itemID="{AB22554F-EF5C-4E4A-BA99-7288FC7D5DC6}">
-  <ds:schemaRefs>
-    <ds:schemaRef ds:uri="http://schemas.microsoft.com/sharepoint/v3/contenttype/forms"/>
-  </ds:schemaRefs>
-</ds:datastoreItem>
-</file>
-
-<file path=customXml/itemProps2.xml><?xml version="1.0" encoding="utf-8"?>
-<ds:datastoreItem xmlns:ds="http://schemas.openxmlformats.org/officeDocument/2006/customXml" ds:itemID="{B56CA16F-DE57-4B0B-91AF-A5EE411202FB}">
-  <ds:schemaRefs>
-    <ds:schemaRef ds:uri="80988191-8a4e-4d80-ae64-3da7164900c4"/>
-    <ds:schemaRef ds:uri="a6c835c0-2fde-44e6-ab42-84c6f93c56ee"/>
-    <ds:schemaRef ds:uri="http://purl.org/dc/elements/1.1/"/>
-    <ds:schemaRef ds:uri="http://purl.org/dc/terms/"/>
-    <ds:schemaRef ds:uri="http://schemas.microsoft.com/internal/obd"/>
-    <ds:schemaRef ds:uri="http://schemas.microsoft.com/office/2006/documentManagement/types"/>
-    <ds:schemaRef ds:uri="http://schemas.microsoft.com/office/2006/metadata/contentType"/>
-    <ds:schemaRef ds:uri="http://schemas.microsoft.com/office/2006/metadata/properties"/>
-    <ds:schemaRef ds:uri="http://schemas.microsoft.com/office/2006/metadata/properties/metaAttributes"/>
-    <ds:schemaRef ds:uri="http://schemas.microsoft.com/office/infopath/2007/PartnerControls"/>
-    <ds:schemaRef ds:uri="http://schemas.openxmlformats.org/package/2006/metadata/core-properties"/>
-    <ds:schemaRef ds:uri="http://www.w3.org/2001/XMLSchema"/>
-  </ds:schemaRefs>
-</ds:datastoreItem>
-</file>
-
-<file path=customXml/itemProps3.xml><?xml version="1.0" encoding="utf-8"?>
 <ds:datastoreItem xmlns:ds="http://schemas.openxmlformats.org/officeDocument/2006/customXml" ds:itemID="{35DDED8F-32D9-4FD1-92A4-9103C643837E}">
   <ds:schemaRefs>
     <ds:schemaRef ds:uri="http://www.w3.org/XML/1998/namespace"/>
@@ -11627,4 +11443,16 @@
     <ds:schemaRef ds:uri="a6c835c0-2fde-44e6-ab42-84c6f93c56ee"/>
   </ds:schemaRefs>
 </ds:datastoreItem>
+</file>
+
+<file path=customXml/itemProps2.xml><?xml version="1.0" encoding="utf-8"?>
+<ds:datastoreItem xmlns:ds="http://schemas.openxmlformats.org/officeDocument/2006/customXml" ds:itemID="{32E46C91-5251-42E9-AC7D-180355302452}"/>
+</file>
+
+<file path=customXml/itemProps3.xml><?xml version="1.0" encoding="utf-8"?>
+<ds:datastoreItem xmlns:ds="http://schemas.openxmlformats.org/officeDocument/2006/customXml" ds:itemID="{AB22554F-EF5C-4E4A-BA99-7288FC7D5DC6}">
+  <ds:schemaRefs>
+    <ds:schemaRef ds:uri="http://schemas.microsoft.com/sharepoint/v3/contenttype/forms"/>
+  </ds:schemaRefs>
+</ds:datastoreItem>
 </file>